--- a/ITI/TF/Volume1/media/Figure_9.1-1.pptx
+++ b/ITI/TF/Volume1/media/Figure_9.1-1.pptx
@@ -259,7 +259,7 @@
           <a:p>
             <a:fld id="{5D7EC9E4-216C-BE49-AFFE-54C9B4DAEE26}" type="datetimeFigureOut">
               <a:rPr lang="en-US" smtClean="0"/>
-              <a:t>8/10/20</a:t>
+              <a:t>8/26/20</a:t>
             </a:fld>
             <a:endParaRPr lang="en-US"/>
           </a:p>
@@ -457,7 +457,7 @@
           <a:p>
             <a:fld id="{5D7EC9E4-216C-BE49-AFFE-54C9B4DAEE26}" type="datetimeFigureOut">
               <a:rPr lang="en-US" smtClean="0"/>
-              <a:t>8/10/20</a:t>
+              <a:t>8/26/20</a:t>
             </a:fld>
             <a:endParaRPr lang="en-US"/>
           </a:p>
@@ -665,7 +665,7 @@
           <a:p>
             <a:fld id="{5D7EC9E4-216C-BE49-AFFE-54C9B4DAEE26}" type="datetimeFigureOut">
               <a:rPr lang="en-US" smtClean="0"/>
-              <a:t>8/10/20</a:t>
+              <a:t>8/26/20</a:t>
             </a:fld>
             <a:endParaRPr lang="en-US"/>
           </a:p>
@@ -863,7 +863,7 @@
           <a:p>
             <a:fld id="{5D7EC9E4-216C-BE49-AFFE-54C9B4DAEE26}" type="datetimeFigureOut">
               <a:rPr lang="en-US" smtClean="0"/>
-              <a:t>8/10/20</a:t>
+              <a:t>8/26/20</a:t>
             </a:fld>
             <a:endParaRPr lang="en-US"/>
           </a:p>
@@ -1138,7 +1138,7 @@
           <a:p>
             <a:fld id="{5D7EC9E4-216C-BE49-AFFE-54C9B4DAEE26}" type="datetimeFigureOut">
               <a:rPr lang="en-US" smtClean="0"/>
-              <a:t>8/10/20</a:t>
+              <a:t>8/26/20</a:t>
             </a:fld>
             <a:endParaRPr lang="en-US"/>
           </a:p>
@@ -1403,7 +1403,7 @@
           <a:p>
             <a:fld id="{5D7EC9E4-216C-BE49-AFFE-54C9B4DAEE26}" type="datetimeFigureOut">
               <a:rPr lang="en-US" smtClean="0"/>
-              <a:t>8/10/20</a:t>
+              <a:t>8/26/20</a:t>
             </a:fld>
             <a:endParaRPr lang="en-US"/>
           </a:p>
@@ -1815,7 +1815,7 @@
           <a:p>
             <a:fld id="{5D7EC9E4-216C-BE49-AFFE-54C9B4DAEE26}" type="datetimeFigureOut">
               <a:rPr lang="en-US" smtClean="0"/>
-              <a:t>8/10/20</a:t>
+              <a:t>8/26/20</a:t>
             </a:fld>
             <a:endParaRPr lang="en-US"/>
           </a:p>
@@ -1956,7 +1956,7 @@
           <a:p>
             <a:fld id="{5D7EC9E4-216C-BE49-AFFE-54C9B4DAEE26}" type="datetimeFigureOut">
               <a:rPr lang="en-US" smtClean="0"/>
-              <a:t>8/10/20</a:t>
+              <a:t>8/26/20</a:t>
             </a:fld>
             <a:endParaRPr lang="en-US"/>
           </a:p>
@@ -2069,7 +2069,7 @@
           <a:p>
             <a:fld id="{5D7EC9E4-216C-BE49-AFFE-54C9B4DAEE26}" type="datetimeFigureOut">
               <a:rPr lang="en-US" smtClean="0"/>
-              <a:t>8/10/20</a:t>
+              <a:t>8/26/20</a:t>
             </a:fld>
             <a:endParaRPr lang="en-US"/>
           </a:p>
@@ -2380,7 +2380,7 @@
           <a:p>
             <a:fld id="{5D7EC9E4-216C-BE49-AFFE-54C9B4DAEE26}" type="datetimeFigureOut">
               <a:rPr lang="en-US" smtClean="0"/>
-              <a:t>8/10/20</a:t>
+              <a:t>8/26/20</a:t>
             </a:fld>
             <a:endParaRPr lang="en-US"/>
           </a:p>
@@ -2668,7 +2668,7 @@
           <a:p>
             <a:fld id="{5D7EC9E4-216C-BE49-AFFE-54C9B4DAEE26}" type="datetimeFigureOut">
               <a:rPr lang="en-US" smtClean="0"/>
-              <a:t>8/10/20</a:t>
+              <a:t>8/26/20</a:t>
             </a:fld>
             <a:endParaRPr lang="en-US"/>
           </a:p>
@@ -2909,7 +2909,7 @@
           <a:p>
             <a:fld id="{5D7EC9E4-216C-BE49-AFFE-54C9B4DAEE26}" type="datetimeFigureOut">
               <a:rPr lang="en-US" smtClean="0"/>
-              <a:t>8/10/20</a:t>
+              <a:t>8/26/20</a:t>
             </a:fld>
             <a:endParaRPr lang="en-US"/>
           </a:p>
@@ -3351,7 +3351,7 @@
           <a:noFill/>
           <a:extLst>
             <a:ext uri="{909E8E84-426E-40dd-AFC4-6F175D3DCCD1}">
-              <a14:hiddenFill xmlns:lc="http://schemas.openxmlformats.org/drawingml/2006/lockedCanvas" xmlns:a14="http://schemas.microsoft.com/office/drawing/2010/main" xmlns:w="http://schemas.openxmlformats.org/wordprocessingml/2006/main" xmlns:w10="urn:schemas-microsoft-com:office:word" xmlns:v="urn:schemas-microsoft-com:vml" xmlns:o="urn:schemas-microsoft-com:office:office" xmlns:mv="urn:schemas-microsoft-com:mac:vml" xmlns:mo="http://schemas.microsoft.com/office/mac/office/2008/main" xmlns="" xmlns:wps="http://schemas.microsoft.com/office/word/2010/wordprocessingShape" xmlns:wne="http://schemas.microsoft.com/office/word/2006/wordml" xmlns:wpi="http://schemas.microsoft.com/office/word/2010/wordprocessingInk" xmlns:wpg="http://schemas.microsoft.com/office/word/2010/wordprocessingGroup" xmlns:w16se="http://schemas.microsoft.com/office/word/2015/wordml/symex" xmlns:w16="http://schemas.microsoft.com/office/word/2018/wordml" xmlns:w16cid="http://schemas.microsoft.com/office/word/2016/wordml/cid" xmlns:w16cex="http://schemas.microsoft.com/office/word/2018/wordml/cex" xmlns:w15="http://schemas.microsoft.com/office/word/2012/wordml" xmlns:w14="http://schemas.microsoft.com/office/word/2010/wordml" xmlns:wp="http://schemas.openxmlformats.org/drawingml/2006/wordprocessingDrawing" xmlns:wp14="http://schemas.microsoft.com/office/word/2010/wordprocessingDrawing" xmlns:m="http://schemas.openxmlformats.org/officeDocument/2006/math" xmlns:am3d="http://schemas.microsoft.com/office/drawing/2017/model3d" xmlns:aink="http://schemas.microsoft.com/office/drawing/2016/ink" xmlns:mc="http://schemas.openxmlformats.org/markup-compatibility/2006" xmlns:cx8="http://schemas.microsoft.com/office/drawing/2016/5/14/chartex" xmlns:cx7="http://schemas.microsoft.com/office/drawing/2016/5/13/chartex" xmlns:cx6="http://schemas.microsoft.com/office/drawing/2016/5/12/chartex" xmlns:cx5="http://schemas.microsoft.com/office/drawing/2016/5/11/chartex" xmlns:cx4="http://schemas.microsoft.com/office/drawing/2016/5/10/chartex" xmlns:cx3="http://schemas.microsoft.com/office/drawing/2016/5/9/chartex" xmlns:cx2="http://schemas.microsoft.com/office/drawing/2015/10/21/chartex" xmlns:cx1="http://schemas.microsoft.com/office/drawing/2015/9/8/chartex" xmlns:cx="http://schemas.microsoft.com/office/drawing/2014/chartex" xmlns:wpc="http://schemas.microsoft.com/office/word/2010/wordprocessingCanvas">
+              <a14:hiddenFill xmlns:wpc="http://schemas.microsoft.com/office/word/2010/wordprocessingCanvas" xmlns:cx="http://schemas.microsoft.com/office/drawing/2014/chartex" xmlns:cx1="http://schemas.microsoft.com/office/drawing/2015/9/8/chartex" xmlns:cx2="http://schemas.microsoft.com/office/drawing/2015/10/21/chartex" xmlns:cx3="http://schemas.microsoft.com/office/drawing/2016/5/9/chartex" xmlns:cx4="http://schemas.microsoft.com/office/drawing/2016/5/10/chartex" xmlns:cx5="http://schemas.microsoft.com/office/drawing/2016/5/11/chartex" xmlns:cx6="http://schemas.microsoft.com/office/drawing/2016/5/12/chartex" xmlns:cx7="http://schemas.microsoft.com/office/drawing/2016/5/13/chartex" xmlns:cx8="http://schemas.microsoft.com/office/drawing/2016/5/14/chartex" xmlns:mc="http://schemas.openxmlformats.org/markup-compatibility/2006" xmlns:aink="http://schemas.microsoft.com/office/drawing/2016/ink" xmlns:am3d="http://schemas.microsoft.com/office/drawing/2017/model3d" xmlns:m="http://schemas.openxmlformats.org/officeDocument/2006/math" xmlns:wp14="http://schemas.microsoft.com/office/word/2010/wordprocessingDrawing" xmlns:wp="http://schemas.openxmlformats.org/drawingml/2006/wordprocessingDrawing" xmlns:w14="http://schemas.microsoft.com/office/word/2010/wordml" xmlns:w15="http://schemas.microsoft.com/office/word/2012/wordml" xmlns:w16cex="http://schemas.microsoft.com/office/word/2018/wordml/cex" xmlns:w16cid="http://schemas.microsoft.com/office/word/2016/wordml/cid" xmlns:w16="http://schemas.microsoft.com/office/word/2018/wordml" xmlns:w16se="http://schemas.microsoft.com/office/word/2015/wordml/symex" xmlns:wpg="http://schemas.microsoft.com/office/word/2010/wordprocessingGroup" xmlns:wpi="http://schemas.microsoft.com/office/word/2010/wordprocessingInk" xmlns:wne="http://schemas.microsoft.com/office/word/2006/wordml" xmlns:wps="http://schemas.microsoft.com/office/word/2010/wordprocessingShape" xmlns="" xmlns:mo="http://schemas.microsoft.com/office/mac/office/2008/main" xmlns:mv="urn:schemas-microsoft-com:mac:vml" xmlns:o="urn:schemas-microsoft-com:office:office" xmlns:v="urn:schemas-microsoft-com:vml" xmlns:w10="urn:schemas-microsoft-com:office:word" xmlns:w="http://schemas.openxmlformats.org/wordprocessingml/2006/main" xmlns:a14="http://schemas.microsoft.com/office/drawing/2010/main" xmlns:lc="http://schemas.openxmlformats.org/drawingml/2006/lockedCanvas">
                 <a:solidFill>
                   <a:srgbClr val="FFFFFF"/>
                 </a:solidFill>
@@ -3385,10 +3385,10 @@
         </p:nvGrpSpPr>
         <p:grpSpPr bwMode="auto">
           <a:xfrm>
-            <a:off x="3386137" y="1400175"/>
-            <a:ext cx="5419725" cy="4057650"/>
-            <a:chOff x="0" y="0"/>
-            <a:chExt cx="5372100" cy="3911600"/>
+            <a:off x="3314393" y="1400175"/>
+            <a:ext cx="5491469" cy="4057650"/>
+            <a:chOff x="-71113" y="0"/>
+            <a:chExt cx="5443213" cy="3911600"/>
           </a:xfrm>
         </p:grpSpPr>
         <p:sp>
@@ -3416,7 +3416,7 @@
             <a:noFill/>
             <a:extLst>
               <a:ext uri="{909E8E84-426E-40dd-AFC4-6F175D3DCCD1}">
-                <a14:hiddenFill xmlns:wpc="http://schemas.microsoft.com/office/word/2010/wordprocessingCanvas" xmlns:cx="http://schemas.microsoft.com/office/drawing/2014/chartex" xmlns:cx1="http://schemas.microsoft.com/office/drawing/2015/9/8/chartex" xmlns:cx2="http://schemas.microsoft.com/office/drawing/2015/10/21/chartex" xmlns:cx3="http://schemas.microsoft.com/office/drawing/2016/5/9/chartex" xmlns:cx4="http://schemas.microsoft.com/office/drawing/2016/5/10/chartex" xmlns:cx5="http://schemas.microsoft.com/office/drawing/2016/5/11/chartex" xmlns:cx6="http://schemas.microsoft.com/office/drawing/2016/5/12/chartex" xmlns:cx7="http://schemas.microsoft.com/office/drawing/2016/5/13/chartex" xmlns:cx8="http://schemas.microsoft.com/office/drawing/2016/5/14/chartex" xmlns:mc="http://schemas.openxmlformats.org/markup-compatibility/2006" xmlns:aink="http://schemas.microsoft.com/office/drawing/2016/ink" xmlns:am3d="http://schemas.microsoft.com/office/drawing/2017/model3d" xmlns:m="http://schemas.openxmlformats.org/officeDocument/2006/math" xmlns:wp14="http://schemas.microsoft.com/office/word/2010/wordprocessingDrawing" xmlns:wp="http://schemas.openxmlformats.org/drawingml/2006/wordprocessingDrawing" xmlns:w14="http://schemas.microsoft.com/office/word/2010/wordml" xmlns:w15="http://schemas.microsoft.com/office/word/2012/wordml" xmlns:w16cex="http://schemas.microsoft.com/office/word/2018/wordml/cex" xmlns:w16cid="http://schemas.microsoft.com/office/word/2016/wordml/cid" xmlns:w16="http://schemas.microsoft.com/office/word/2018/wordml" xmlns:w16se="http://schemas.microsoft.com/office/word/2015/wordml/symex" xmlns:wpg="http://schemas.microsoft.com/office/word/2010/wordprocessingGroup" xmlns:wpi="http://schemas.microsoft.com/office/word/2010/wordprocessingInk" xmlns:wne="http://schemas.microsoft.com/office/word/2006/wordml" xmlns:wps="http://schemas.microsoft.com/office/word/2010/wordprocessingShape" xmlns="" xmlns:mo="http://schemas.microsoft.com/office/mac/office/2008/main" xmlns:mv="urn:schemas-microsoft-com:mac:vml" xmlns:o="urn:schemas-microsoft-com:office:office" xmlns:v="urn:schemas-microsoft-com:vml" xmlns:w10="urn:schemas-microsoft-com:office:word" xmlns:w="http://schemas.openxmlformats.org/wordprocessingml/2006/main" xmlns:a14="http://schemas.microsoft.com/office/drawing/2010/main" xmlns:lc="http://schemas.openxmlformats.org/drawingml/2006/lockedCanvas">
+                <a14:hiddenFill xmlns:lc="http://schemas.openxmlformats.org/drawingml/2006/lockedCanvas" xmlns:a14="http://schemas.microsoft.com/office/drawing/2010/main" xmlns:w="http://schemas.openxmlformats.org/wordprocessingml/2006/main" xmlns:w10="urn:schemas-microsoft-com:office:word" xmlns:v="urn:schemas-microsoft-com:vml" xmlns:o="urn:schemas-microsoft-com:office:office" xmlns:mv="urn:schemas-microsoft-com:mac:vml" xmlns:mo="http://schemas.microsoft.com/office/mac/office/2008/main" xmlns="" xmlns:wps="http://schemas.microsoft.com/office/word/2010/wordprocessingShape" xmlns:wne="http://schemas.microsoft.com/office/word/2006/wordml" xmlns:wpi="http://schemas.microsoft.com/office/word/2010/wordprocessingInk" xmlns:wpg="http://schemas.microsoft.com/office/word/2010/wordprocessingGroup" xmlns:w16se="http://schemas.microsoft.com/office/word/2015/wordml/symex" xmlns:w16="http://schemas.microsoft.com/office/word/2018/wordml" xmlns:w16cid="http://schemas.microsoft.com/office/word/2016/wordml/cid" xmlns:w16cex="http://schemas.microsoft.com/office/word/2018/wordml/cex" xmlns:w15="http://schemas.microsoft.com/office/word/2012/wordml" xmlns:w14="http://schemas.microsoft.com/office/word/2010/wordml" xmlns:wp="http://schemas.openxmlformats.org/drawingml/2006/wordprocessingDrawing" xmlns:wp14="http://schemas.microsoft.com/office/word/2010/wordprocessingDrawing" xmlns:m="http://schemas.openxmlformats.org/officeDocument/2006/math" xmlns:am3d="http://schemas.microsoft.com/office/drawing/2017/model3d" xmlns:aink="http://schemas.microsoft.com/office/drawing/2016/ink" xmlns:mc="http://schemas.openxmlformats.org/markup-compatibility/2006" xmlns:cx8="http://schemas.microsoft.com/office/drawing/2016/5/14/chartex" xmlns:cx7="http://schemas.microsoft.com/office/drawing/2016/5/13/chartex" xmlns:cx6="http://schemas.microsoft.com/office/drawing/2016/5/12/chartex" xmlns:cx5="http://schemas.microsoft.com/office/drawing/2016/5/11/chartex" xmlns:cx4="http://schemas.microsoft.com/office/drawing/2016/5/10/chartex" xmlns:cx3="http://schemas.microsoft.com/office/drawing/2016/5/9/chartex" xmlns:cx2="http://schemas.microsoft.com/office/drawing/2015/10/21/chartex" xmlns:cx1="http://schemas.microsoft.com/office/drawing/2015/9/8/chartex" xmlns:cx="http://schemas.microsoft.com/office/drawing/2014/chartex" xmlns:wpc="http://schemas.microsoft.com/office/word/2010/wordprocessingCanvas">
                   <a:solidFill>
                     <a:srgbClr val="FFFFFF"/>
                   </a:solidFill>
@@ -3465,7 +3465,7 @@
             </a:ln>
             <a:extLst>
               <a:ext uri="{909E8E84-426E-40dd-AFC4-6F175D3DCCD1}">
-                <a14:hiddenFill xmlns:wpc="http://schemas.microsoft.com/office/word/2010/wordprocessingCanvas" xmlns:cx="http://schemas.microsoft.com/office/drawing/2014/chartex" xmlns:cx1="http://schemas.microsoft.com/office/drawing/2015/9/8/chartex" xmlns:cx2="http://schemas.microsoft.com/office/drawing/2015/10/21/chartex" xmlns:cx3="http://schemas.microsoft.com/office/drawing/2016/5/9/chartex" xmlns:cx4="http://schemas.microsoft.com/office/drawing/2016/5/10/chartex" xmlns:cx5="http://schemas.microsoft.com/office/drawing/2016/5/11/chartex" xmlns:cx6="http://schemas.microsoft.com/office/drawing/2016/5/12/chartex" xmlns:cx7="http://schemas.microsoft.com/office/drawing/2016/5/13/chartex" xmlns:cx8="http://schemas.microsoft.com/office/drawing/2016/5/14/chartex" xmlns:mc="http://schemas.openxmlformats.org/markup-compatibility/2006" xmlns:aink="http://schemas.microsoft.com/office/drawing/2016/ink" xmlns:am3d="http://schemas.microsoft.com/office/drawing/2017/model3d" xmlns:m="http://schemas.openxmlformats.org/officeDocument/2006/math" xmlns:wp14="http://schemas.microsoft.com/office/word/2010/wordprocessingDrawing" xmlns:wp="http://schemas.openxmlformats.org/drawingml/2006/wordprocessingDrawing" xmlns:w14="http://schemas.microsoft.com/office/word/2010/wordml" xmlns:w15="http://schemas.microsoft.com/office/word/2012/wordml" xmlns:w16cex="http://schemas.microsoft.com/office/word/2018/wordml/cex" xmlns:w16cid="http://schemas.microsoft.com/office/word/2016/wordml/cid" xmlns:w16="http://schemas.microsoft.com/office/word/2018/wordml" xmlns:w16se="http://schemas.microsoft.com/office/word/2015/wordml/symex" xmlns:wpg="http://schemas.microsoft.com/office/word/2010/wordprocessingGroup" xmlns:wpi="http://schemas.microsoft.com/office/word/2010/wordprocessingInk" xmlns:wne="http://schemas.microsoft.com/office/word/2006/wordml" xmlns:wps="http://schemas.microsoft.com/office/word/2010/wordprocessingShape" xmlns="" xmlns:mo="http://schemas.microsoft.com/office/mac/office/2008/main" xmlns:mv="urn:schemas-microsoft-com:mac:vml" xmlns:o="urn:schemas-microsoft-com:office:office" xmlns:v="urn:schemas-microsoft-com:vml" xmlns:w10="urn:schemas-microsoft-com:office:word" xmlns:w="http://schemas.openxmlformats.org/wordprocessingml/2006/main" xmlns:a14="http://schemas.microsoft.com/office/drawing/2010/main" xmlns:lc="http://schemas.openxmlformats.org/drawingml/2006/lockedCanvas">
+                <a14:hiddenFill xmlns:lc="http://schemas.openxmlformats.org/drawingml/2006/lockedCanvas" xmlns:a14="http://schemas.microsoft.com/office/drawing/2010/main" xmlns:w="http://schemas.openxmlformats.org/wordprocessingml/2006/main" xmlns:w10="urn:schemas-microsoft-com:office:word" xmlns:v="urn:schemas-microsoft-com:vml" xmlns:o="urn:schemas-microsoft-com:office:office" xmlns:mv="urn:schemas-microsoft-com:mac:vml" xmlns:mo="http://schemas.microsoft.com/office/mac/office/2008/main" xmlns="" xmlns:wps="http://schemas.microsoft.com/office/word/2010/wordprocessingShape" xmlns:wne="http://schemas.microsoft.com/office/word/2006/wordml" xmlns:wpi="http://schemas.microsoft.com/office/word/2010/wordprocessingInk" xmlns:wpg="http://schemas.microsoft.com/office/word/2010/wordprocessingGroup" xmlns:w16se="http://schemas.microsoft.com/office/word/2015/wordml/symex" xmlns:w16="http://schemas.microsoft.com/office/word/2018/wordml" xmlns:w16cid="http://schemas.microsoft.com/office/word/2016/wordml/cid" xmlns:w16cex="http://schemas.microsoft.com/office/word/2018/wordml/cex" xmlns:w15="http://schemas.microsoft.com/office/word/2012/wordml" xmlns:w14="http://schemas.microsoft.com/office/word/2010/wordml" xmlns:wp="http://schemas.openxmlformats.org/drawingml/2006/wordprocessingDrawing" xmlns:wp14="http://schemas.microsoft.com/office/word/2010/wordprocessingDrawing" xmlns:m="http://schemas.openxmlformats.org/officeDocument/2006/math" xmlns:am3d="http://schemas.microsoft.com/office/drawing/2017/model3d" xmlns:aink="http://schemas.microsoft.com/office/drawing/2016/ink" xmlns:mc="http://schemas.openxmlformats.org/markup-compatibility/2006" xmlns:cx8="http://schemas.microsoft.com/office/drawing/2016/5/14/chartex" xmlns:cx7="http://schemas.microsoft.com/office/drawing/2016/5/13/chartex" xmlns:cx6="http://schemas.microsoft.com/office/drawing/2016/5/12/chartex" xmlns:cx5="http://schemas.microsoft.com/office/drawing/2016/5/11/chartex" xmlns:cx4="http://schemas.microsoft.com/office/drawing/2016/5/10/chartex" xmlns:cx3="http://schemas.microsoft.com/office/drawing/2016/5/9/chartex" xmlns:cx2="http://schemas.microsoft.com/office/drawing/2015/10/21/chartex" xmlns:cx1="http://schemas.microsoft.com/office/drawing/2015/9/8/chartex" xmlns:cx="http://schemas.microsoft.com/office/drawing/2014/chartex" xmlns:wpc="http://schemas.microsoft.com/office/word/2010/wordprocessingCanvas">
                   <a:noFill/>
                 </a14:hiddenFill>
               </a:ext>
@@ -3567,7 +3567,7 @@
             </a:ln>
             <a:extLst>
               <a:ext uri="{909E8E84-426E-40dd-AFC4-6F175D3DCCD1}">
-                <a14:hiddenFill xmlns:wpc="http://schemas.microsoft.com/office/word/2010/wordprocessingCanvas" xmlns:cx="http://schemas.microsoft.com/office/drawing/2014/chartex" xmlns:cx1="http://schemas.microsoft.com/office/drawing/2015/9/8/chartex" xmlns:cx2="http://schemas.microsoft.com/office/drawing/2015/10/21/chartex" xmlns:cx3="http://schemas.microsoft.com/office/drawing/2016/5/9/chartex" xmlns:cx4="http://schemas.microsoft.com/office/drawing/2016/5/10/chartex" xmlns:cx5="http://schemas.microsoft.com/office/drawing/2016/5/11/chartex" xmlns:cx6="http://schemas.microsoft.com/office/drawing/2016/5/12/chartex" xmlns:cx7="http://schemas.microsoft.com/office/drawing/2016/5/13/chartex" xmlns:cx8="http://schemas.microsoft.com/office/drawing/2016/5/14/chartex" xmlns:mc="http://schemas.openxmlformats.org/markup-compatibility/2006" xmlns:aink="http://schemas.microsoft.com/office/drawing/2016/ink" xmlns:am3d="http://schemas.microsoft.com/office/drawing/2017/model3d" xmlns:m="http://schemas.openxmlformats.org/officeDocument/2006/math" xmlns:wp14="http://schemas.microsoft.com/office/word/2010/wordprocessingDrawing" xmlns:wp="http://schemas.openxmlformats.org/drawingml/2006/wordprocessingDrawing" xmlns:w14="http://schemas.microsoft.com/office/word/2010/wordml" xmlns:w15="http://schemas.microsoft.com/office/word/2012/wordml" xmlns:w16cex="http://schemas.microsoft.com/office/word/2018/wordml/cex" xmlns:w16cid="http://schemas.microsoft.com/office/word/2016/wordml/cid" xmlns:w16="http://schemas.microsoft.com/office/word/2018/wordml" xmlns:w16se="http://schemas.microsoft.com/office/word/2015/wordml/symex" xmlns:wpg="http://schemas.microsoft.com/office/word/2010/wordprocessingGroup" xmlns:wpi="http://schemas.microsoft.com/office/word/2010/wordprocessingInk" xmlns:wne="http://schemas.microsoft.com/office/word/2006/wordml" xmlns:wps="http://schemas.microsoft.com/office/word/2010/wordprocessingShape" xmlns="" xmlns:mo="http://schemas.microsoft.com/office/mac/office/2008/main" xmlns:mv="urn:schemas-microsoft-com:mac:vml" xmlns:o="urn:schemas-microsoft-com:office:office" xmlns:v="urn:schemas-microsoft-com:vml" xmlns:w10="urn:schemas-microsoft-com:office:word" xmlns:w="http://schemas.openxmlformats.org/wordprocessingml/2006/main" xmlns:a14="http://schemas.microsoft.com/office/drawing/2010/main" xmlns:lc="http://schemas.openxmlformats.org/drawingml/2006/lockedCanvas">
+                <a14:hiddenFill xmlns:lc="http://schemas.openxmlformats.org/drawingml/2006/lockedCanvas" xmlns:a14="http://schemas.microsoft.com/office/drawing/2010/main" xmlns:w="http://schemas.openxmlformats.org/wordprocessingml/2006/main" xmlns:w10="urn:schemas-microsoft-com:office:word" xmlns:v="urn:schemas-microsoft-com:vml" xmlns:o="urn:schemas-microsoft-com:office:office" xmlns:mv="urn:schemas-microsoft-com:mac:vml" xmlns:mo="http://schemas.microsoft.com/office/mac/office/2008/main" xmlns="" xmlns:wps="http://schemas.microsoft.com/office/word/2010/wordprocessingShape" xmlns:wne="http://schemas.microsoft.com/office/word/2006/wordml" xmlns:wpi="http://schemas.microsoft.com/office/word/2010/wordprocessingInk" xmlns:wpg="http://schemas.microsoft.com/office/word/2010/wordprocessingGroup" xmlns:w16se="http://schemas.microsoft.com/office/word/2015/wordml/symex" xmlns:w16="http://schemas.microsoft.com/office/word/2018/wordml" xmlns:w16cid="http://schemas.microsoft.com/office/word/2016/wordml/cid" xmlns:w16cex="http://schemas.microsoft.com/office/word/2018/wordml/cex" xmlns:w15="http://schemas.microsoft.com/office/word/2012/wordml" xmlns:w14="http://schemas.microsoft.com/office/word/2010/wordml" xmlns:wp="http://schemas.openxmlformats.org/drawingml/2006/wordprocessingDrawing" xmlns:wp14="http://schemas.microsoft.com/office/word/2010/wordprocessingDrawing" xmlns:m="http://schemas.openxmlformats.org/officeDocument/2006/math" xmlns:am3d="http://schemas.microsoft.com/office/drawing/2017/model3d" xmlns:aink="http://schemas.microsoft.com/office/drawing/2016/ink" xmlns:mc="http://schemas.openxmlformats.org/markup-compatibility/2006" xmlns:cx8="http://schemas.microsoft.com/office/drawing/2016/5/14/chartex" xmlns:cx7="http://schemas.microsoft.com/office/drawing/2016/5/13/chartex" xmlns:cx6="http://schemas.microsoft.com/office/drawing/2016/5/12/chartex" xmlns:cx5="http://schemas.microsoft.com/office/drawing/2016/5/11/chartex" xmlns:cx4="http://schemas.microsoft.com/office/drawing/2016/5/10/chartex" xmlns:cx3="http://schemas.microsoft.com/office/drawing/2016/5/9/chartex" xmlns:cx2="http://schemas.microsoft.com/office/drawing/2015/10/21/chartex" xmlns:cx1="http://schemas.microsoft.com/office/drawing/2015/9/8/chartex" xmlns:cx="http://schemas.microsoft.com/office/drawing/2014/chartex" xmlns:wpc="http://schemas.microsoft.com/office/word/2010/wordprocessingCanvas">
                   <a:noFill/>
                 </a14:hiddenFill>
               </a:ext>
@@ -3623,14 +3623,14 @@
                 </a:spcAft>
               </a:pPr>
               <a:r>
-                <a:rPr lang="en-US" sz="1100">
+                <a:rPr lang="en-US" sz="1100" dirty="0">
                   <a:effectLst/>
                   <a:latin typeface="Times New Roman" panose="02020603050405020304" pitchFamily="18" charset="0"/>
                   <a:ea typeface="Times New Roman" panose="02020603050405020304" pitchFamily="18" charset="0"/>
                 </a:rPr>
                 <a:t>Secure Application</a:t>
               </a:r>
-              <a:endParaRPr lang="en-US" sz="1200">
+              <a:endParaRPr lang="en-US" sz="1200" dirty="0">
                 <a:effectLst/>
                 <a:latin typeface="Times New Roman" panose="02020603050405020304" pitchFamily="18" charset="0"/>
                 <a:ea typeface="Times New Roman" panose="02020603050405020304" pitchFamily="18" charset="0"/>
@@ -3646,14 +3646,14 @@
                 </a:spcAft>
               </a:pPr>
               <a:r>
-                <a:rPr lang="en-US" sz="1100">
+                <a:rPr lang="en-US" sz="1100" dirty="0">
                   <a:effectLst/>
                   <a:latin typeface="Times New Roman" panose="02020603050405020304" pitchFamily="18" charset="0"/>
                   <a:ea typeface="Times New Roman" panose="02020603050405020304" pitchFamily="18" charset="0"/>
                 </a:rPr>
                 <a:t> </a:t>
               </a:r>
-              <a:endParaRPr lang="en-US" sz="1200">
+              <a:endParaRPr lang="en-US" sz="1200" dirty="0">
                 <a:effectLst/>
                 <a:latin typeface="Times New Roman" panose="02020603050405020304" pitchFamily="18" charset="0"/>
                 <a:ea typeface="Times New Roman" panose="02020603050405020304" pitchFamily="18" charset="0"/>
@@ -3756,7 +3756,7 @@
             </a:ln>
             <a:extLst>
               <a:ext uri="{909E8E84-426E-40dd-AFC4-6F175D3DCCD1}">
-                <a14:hiddenFill xmlns:wpc="http://schemas.microsoft.com/office/word/2010/wordprocessingCanvas" xmlns:cx="http://schemas.microsoft.com/office/drawing/2014/chartex" xmlns:cx1="http://schemas.microsoft.com/office/drawing/2015/9/8/chartex" xmlns:cx2="http://schemas.microsoft.com/office/drawing/2015/10/21/chartex" xmlns:cx3="http://schemas.microsoft.com/office/drawing/2016/5/9/chartex" xmlns:cx4="http://schemas.microsoft.com/office/drawing/2016/5/10/chartex" xmlns:cx5="http://schemas.microsoft.com/office/drawing/2016/5/11/chartex" xmlns:cx6="http://schemas.microsoft.com/office/drawing/2016/5/12/chartex" xmlns:cx7="http://schemas.microsoft.com/office/drawing/2016/5/13/chartex" xmlns:cx8="http://schemas.microsoft.com/office/drawing/2016/5/14/chartex" xmlns:mc="http://schemas.openxmlformats.org/markup-compatibility/2006" xmlns:aink="http://schemas.microsoft.com/office/drawing/2016/ink" xmlns:am3d="http://schemas.microsoft.com/office/drawing/2017/model3d" xmlns:m="http://schemas.openxmlformats.org/officeDocument/2006/math" xmlns:wp14="http://schemas.microsoft.com/office/word/2010/wordprocessingDrawing" xmlns:wp="http://schemas.openxmlformats.org/drawingml/2006/wordprocessingDrawing" xmlns:w14="http://schemas.microsoft.com/office/word/2010/wordml" xmlns:w15="http://schemas.microsoft.com/office/word/2012/wordml" xmlns:w16cex="http://schemas.microsoft.com/office/word/2018/wordml/cex" xmlns:w16cid="http://schemas.microsoft.com/office/word/2016/wordml/cid" xmlns:w16="http://schemas.microsoft.com/office/word/2018/wordml" xmlns:w16se="http://schemas.microsoft.com/office/word/2015/wordml/symex" xmlns:wpg="http://schemas.microsoft.com/office/word/2010/wordprocessingGroup" xmlns:wpi="http://schemas.microsoft.com/office/word/2010/wordprocessingInk" xmlns:wne="http://schemas.microsoft.com/office/word/2006/wordml" xmlns:wps="http://schemas.microsoft.com/office/word/2010/wordprocessingShape" xmlns="" xmlns:mo="http://schemas.microsoft.com/office/mac/office/2008/main" xmlns:mv="urn:schemas-microsoft-com:mac:vml" xmlns:o="urn:schemas-microsoft-com:office:office" xmlns:v="urn:schemas-microsoft-com:vml" xmlns:w10="urn:schemas-microsoft-com:office:word" xmlns:w="http://schemas.openxmlformats.org/wordprocessingml/2006/main" xmlns:a14="http://schemas.microsoft.com/office/drawing/2010/main" xmlns:lc="http://schemas.openxmlformats.org/drawingml/2006/lockedCanvas">
+                <a14:hiddenFill xmlns:lc="http://schemas.openxmlformats.org/drawingml/2006/lockedCanvas" xmlns:a14="http://schemas.microsoft.com/office/drawing/2010/main" xmlns:w="http://schemas.openxmlformats.org/wordprocessingml/2006/main" xmlns:w10="urn:schemas-microsoft-com:office:word" xmlns:v="urn:schemas-microsoft-com:vml" xmlns:o="urn:schemas-microsoft-com:office:office" xmlns:mv="urn:schemas-microsoft-com:mac:vml" xmlns:mo="http://schemas.microsoft.com/office/mac/office/2008/main" xmlns="" xmlns:wps="http://schemas.microsoft.com/office/word/2010/wordprocessingShape" xmlns:wne="http://schemas.microsoft.com/office/word/2006/wordml" xmlns:wpi="http://schemas.microsoft.com/office/word/2010/wordprocessingInk" xmlns:wpg="http://schemas.microsoft.com/office/word/2010/wordprocessingGroup" xmlns:w16se="http://schemas.microsoft.com/office/word/2015/wordml/symex" xmlns:w16="http://schemas.microsoft.com/office/word/2018/wordml" xmlns:w16cid="http://schemas.microsoft.com/office/word/2016/wordml/cid" xmlns:w16cex="http://schemas.microsoft.com/office/word/2018/wordml/cex" xmlns:w15="http://schemas.microsoft.com/office/word/2012/wordml" xmlns:w14="http://schemas.microsoft.com/office/word/2010/wordml" xmlns:wp="http://schemas.openxmlformats.org/drawingml/2006/wordprocessingDrawing" xmlns:wp14="http://schemas.microsoft.com/office/word/2010/wordprocessingDrawing" xmlns:m="http://schemas.openxmlformats.org/officeDocument/2006/math" xmlns:am3d="http://schemas.microsoft.com/office/drawing/2017/model3d" xmlns:aink="http://schemas.microsoft.com/office/drawing/2016/ink" xmlns:mc="http://schemas.openxmlformats.org/markup-compatibility/2006" xmlns:cx8="http://schemas.microsoft.com/office/drawing/2016/5/14/chartex" xmlns:cx7="http://schemas.microsoft.com/office/drawing/2016/5/13/chartex" xmlns:cx6="http://schemas.microsoft.com/office/drawing/2016/5/12/chartex" xmlns:cx5="http://schemas.microsoft.com/office/drawing/2016/5/11/chartex" xmlns:cx4="http://schemas.microsoft.com/office/drawing/2016/5/10/chartex" xmlns:cx3="http://schemas.microsoft.com/office/drawing/2016/5/9/chartex" xmlns:cx2="http://schemas.microsoft.com/office/drawing/2015/10/21/chartex" xmlns:cx1="http://schemas.microsoft.com/office/drawing/2015/9/8/chartex" xmlns:cx="http://schemas.microsoft.com/office/drawing/2014/chartex" xmlns:wpc="http://schemas.microsoft.com/office/word/2010/wordprocessingCanvas">
                   <a:noFill/>
                 </a14:hiddenFill>
               </a:ext>
@@ -3818,91 +3818,6 @@
                   <a:ea typeface="Times New Roman" panose="02020603050405020304" pitchFamily="18" charset="0"/>
                 </a:rPr>
                 <a:t>Audit Record Repository</a:t>
-              </a:r>
-              <a:endParaRPr lang="en-US" sz="1200">
-                <a:effectLst/>
-                <a:latin typeface="Times New Roman" panose="02020603050405020304" pitchFamily="18" charset="0"/>
-                <a:ea typeface="Times New Roman" panose="02020603050405020304" pitchFamily="18" charset="0"/>
-              </a:endParaRPr>
-            </a:p>
-          </p:txBody>
-        </p:sp>
-        <p:sp>
-          <p:nvSpPr>
-            <p:cNvPr id="13" name="Rectangle 12">
-              <a:extLst>
-                <a:ext uri="{FF2B5EF4-FFF2-40B4-BE49-F238E27FC236}">
-                  <a16:creationId xmlns:a16="http://schemas.microsoft.com/office/drawing/2014/main" id="{1C6031CA-1F0B-2943-8DFE-36E5AE0EC244}"/>
-                </a:ext>
-              </a:extLst>
-            </p:cNvPr>
-            <p:cNvSpPr>
-              <a:spLocks noChangeArrowheads="1"/>
-            </p:cNvSpPr>
-            <p:nvPr/>
-          </p:nvSpPr>
-          <p:spPr bwMode="auto">
-            <a:xfrm>
-              <a:off x="3281680" y="2642235"/>
-              <a:ext cx="1747520" cy="294005"/>
-            </a:xfrm>
-            <a:prstGeom prst="rect">
-              <a:avLst/>
-            </a:prstGeom>
-            <a:noFill/>
-            <a:ln>
-              <a:noFill/>
-            </a:ln>
-            <a:extLst>
-              <a:ext uri="{909E8E84-426E-40dd-AFC4-6F175D3DCCD1}">
-                <a14:hiddenFill xmlns:wpc="http://schemas.microsoft.com/office/word/2010/wordprocessingCanvas" xmlns:cx="http://schemas.microsoft.com/office/drawing/2014/chartex" xmlns:cx1="http://schemas.microsoft.com/office/drawing/2015/9/8/chartex" xmlns:cx2="http://schemas.microsoft.com/office/drawing/2015/10/21/chartex" xmlns:cx3="http://schemas.microsoft.com/office/drawing/2016/5/9/chartex" xmlns:cx4="http://schemas.microsoft.com/office/drawing/2016/5/10/chartex" xmlns:cx5="http://schemas.microsoft.com/office/drawing/2016/5/11/chartex" xmlns:cx6="http://schemas.microsoft.com/office/drawing/2016/5/12/chartex" xmlns:cx7="http://schemas.microsoft.com/office/drawing/2016/5/13/chartex" xmlns:cx8="http://schemas.microsoft.com/office/drawing/2016/5/14/chartex" xmlns:mc="http://schemas.openxmlformats.org/markup-compatibility/2006" xmlns:aink="http://schemas.microsoft.com/office/drawing/2016/ink" xmlns:am3d="http://schemas.microsoft.com/office/drawing/2017/model3d" xmlns:m="http://schemas.openxmlformats.org/officeDocument/2006/math" xmlns:wp14="http://schemas.microsoft.com/office/word/2010/wordprocessingDrawing" xmlns:wp="http://schemas.openxmlformats.org/drawingml/2006/wordprocessingDrawing" xmlns:w14="http://schemas.microsoft.com/office/word/2010/wordml" xmlns:w15="http://schemas.microsoft.com/office/word/2012/wordml" xmlns:w16cex="http://schemas.microsoft.com/office/word/2018/wordml/cex" xmlns:w16cid="http://schemas.microsoft.com/office/word/2016/wordml/cid" xmlns:w16="http://schemas.microsoft.com/office/word/2018/wordml" xmlns:w16se="http://schemas.microsoft.com/office/word/2015/wordml/symex" xmlns:wpg="http://schemas.microsoft.com/office/word/2010/wordprocessingGroup" xmlns:wpi="http://schemas.microsoft.com/office/word/2010/wordprocessingInk" xmlns:wne="http://schemas.microsoft.com/office/word/2006/wordml" xmlns:wps="http://schemas.microsoft.com/office/word/2010/wordprocessingShape" xmlns="" xmlns:mo="http://schemas.microsoft.com/office/mac/office/2008/main" xmlns:mv="urn:schemas-microsoft-com:mac:vml" xmlns:o="urn:schemas-microsoft-com:office:office" xmlns:v="urn:schemas-microsoft-com:vml" xmlns:w10="urn:schemas-microsoft-com:office:word" xmlns:w="http://schemas.openxmlformats.org/wordprocessingml/2006/main" xmlns:a14="http://schemas.microsoft.com/office/drawing/2010/main" xmlns:lc="http://schemas.openxmlformats.org/drawingml/2006/lockedCanvas">
-                  <a:solidFill>
-                    <a:srgbClr val="FFFFFF"/>
-                  </a:solidFill>
-                </a14:hiddenFill>
-              </a:ext>
-              <a:ext uri="{91240B29-F687-4f45-9708-019B960494DF}">
-                <a14:hiddenLine xmlns:wpc="http://schemas.microsoft.com/office/word/2010/wordprocessingCanvas" xmlns:cx="http://schemas.microsoft.com/office/drawing/2014/chartex" xmlns:cx1="http://schemas.microsoft.com/office/drawing/2015/9/8/chartex" xmlns:cx2="http://schemas.microsoft.com/office/drawing/2015/10/21/chartex" xmlns:cx3="http://schemas.microsoft.com/office/drawing/2016/5/9/chartex" xmlns:cx4="http://schemas.microsoft.com/office/drawing/2016/5/10/chartex" xmlns:cx5="http://schemas.microsoft.com/office/drawing/2016/5/11/chartex" xmlns:cx6="http://schemas.microsoft.com/office/drawing/2016/5/12/chartex" xmlns:cx7="http://schemas.microsoft.com/office/drawing/2016/5/13/chartex" xmlns:cx8="http://schemas.microsoft.com/office/drawing/2016/5/14/chartex" xmlns:mc="http://schemas.openxmlformats.org/markup-compatibility/2006" xmlns:aink="http://schemas.microsoft.com/office/drawing/2016/ink" xmlns:am3d="http://schemas.microsoft.com/office/drawing/2017/model3d" xmlns:m="http://schemas.openxmlformats.org/officeDocument/2006/math" xmlns:wp14="http://schemas.microsoft.com/office/word/2010/wordprocessingDrawing" xmlns:wp="http://schemas.openxmlformats.org/drawingml/2006/wordprocessingDrawing" xmlns:w14="http://schemas.microsoft.com/office/word/2010/wordml" xmlns:w15="http://schemas.microsoft.com/office/word/2012/wordml" xmlns:w16cex="http://schemas.microsoft.com/office/word/2018/wordml/cex" xmlns:w16cid="http://schemas.microsoft.com/office/word/2016/wordml/cid" xmlns:w16="http://schemas.microsoft.com/office/word/2018/wordml" xmlns:w16se="http://schemas.microsoft.com/office/word/2015/wordml/symex" xmlns:wpg="http://schemas.microsoft.com/office/word/2010/wordprocessingGroup" xmlns:wpi="http://schemas.microsoft.com/office/word/2010/wordprocessingInk" xmlns:wne="http://schemas.microsoft.com/office/word/2006/wordml" xmlns:wps="http://schemas.microsoft.com/office/word/2010/wordprocessingShape" xmlns="" xmlns:mo="http://schemas.microsoft.com/office/mac/office/2008/main" xmlns:mv="urn:schemas-microsoft-com:mac:vml" xmlns:o="urn:schemas-microsoft-com:office:office" xmlns:v="urn:schemas-microsoft-com:vml" xmlns:w10="urn:schemas-microsoft-com:office:word" xmlns:w="http://schemas.openxmlformats.org/wordprocessingml/2006/main" xmlns:a14="http://schemas.microsoft.com/office/drawing/2010/main" xmlns:lc="http://schemas.openxmlformats.org/drawingml/2006/lockedCanvas" w="0">
-                  <a:solidFill>
-                    <a:srgbClr val="000000"/>
-                  </a:solidFill>
-                  <a:miter lim="800000"/>
-                  <a:headEnd/>
-                  <a:tailEnd/>
-                </a14:hiddenLine>
-              </a:ext>
-            </a:extLst>
-          </p:spPr>
-          <p:txBody>
-            <a:bodyPr rot="0" vert="horz" wrap="square" lIns="0" tIns="0" rIns="0" bIns="0" anchor="t" anchorCtr="0" upright="1">
-              <a:noAutofit/>
-            </a:bodyPr>
-            <a:lstStyle/>
-            <a:p>
-              <a:pPr marL="0" marR="0">
-                <a:spcBef>
-                  <a:spcPts val="600"/>
-                </a:spcBef>
-                <a:spcAft>
-                  <a:spcPts val="0"/>
-                </a:spcAft>
-              </a:pPr>
-              <a:r>
-                <a:rPr lang="en-US" sz="1000">
-                  <a:effectLst/>
-                  <a:latin typeface="Times New Roman" panose="02020603050405020304" pitchFamily="18" charset="0"/>
-                  <a:ea typeface="Times New Roman" panose="02020603050405020304" pitchFamily="18" charset="0"/>
-                </a:rPr>
-                <a:t>Record Audit Event [ITI-20] </a:t>
-              </a:r>
-              <a:r>
-                <a:rPr lang="en-US" sz="1000">
-                  <a:effectLst/>
-                  <a:latin typeface="Times New Roman" panose="02020603050405020304" pitchFamily="18" charset="0"/>
-                  <a:ea typeface="Times New Roman" panose="02020603050405020304" pitchFamily="18" charset="0"/>
-                  <a:sym typeface="Symbol" pitchFamily="2" charset="2"/>
-                </a:rPr>
-                <a:t></a:t>
               </a:r>
               <a:endParaRPr lang="en-US" sz="1200">
                 <a:effectLst/>
@@ -3976,91 +3891,6 @@
             </a:p>
           </p:txBody>
         </p:sp>
-        <p:sp>
-          <p:nvSpPr>
-            <p:cNvPr id="15" name="Rectangle 14">
-              <a:extLst>
-                <a:ext uri="{FF2B5EF4-FFF2-40B4-BE49-F238E27FC236}">
-                  <a16:creationId xmlns:a16="http://schemas.microsoft.com/office/drawing/2014/main" id="{91A13259-491D-2F47-A118-24A73DE28954}"/>
-                </a:ext>
-              </a:extLst>
-            </p:cNvPr>
-            <p:cNvSpPr>
-              <a:spLocks noChangeArrowheads="1"/>
-            </p:cNvSpPr>
-            <p:nvPr/>
-          </p:nvSpPr>
-          <p:spPr bwMode="auto">
-            <a:xfrm>
-              <a:off x="881380" y="2870835"/>
-              <a:ext cx="1747520" cy="294005"/>
-            </a:xfrm>
-            <a:prstGeom prst="rect">
-              <a:avLst/>
-            </a:prstGeom>
-            <a:noFill/>
-            <a:ln>
-              <a:noFill/>
-            </a:ln>
-            <a:extLst>
-              <a:ext uri="{909E8E84-426E-40dd-AFC4-6F175D3DCCD1}">
-                <a14:hiddenFill xmlns:wpc="http://schemas.microsoft.com/office/word/2010/wordprocessingCanvas" xmlns:cx="http://schemas.microsoft.com/office/drawing/2014/chartex" xmlns:cx1="http://schemas.microsoft.com/office/drawing/2015/9/8/chartex" xmlns:cx2="http://schemas.microsoft.com/office/drawing/2015/10/21/chartex" xmlns:cx3="http://schemas.microsoft.com/office/drawing/2016/5/9/chartex" xmlns:cx4="http://schemas.microsoft.com/office/drawing/2016/5/10/chartex" xmlns:cx5="http://schemas.microsoft.com/office/drawing/2016/5/11/chartex" xmlns:cx6="http://schemas.microsoft.com/office/drawing/2016/5/12/chartex" xmlns:cx7="http://schemas.microsoft.com/office/drawing/2016/5/13/chartex" xmlns:cx8="http://schemas.microsoft.com/office/drawing/2016/5/14/chartex" xmlns:mc="http://schemas.openxmlformats.org/markup-compatibility/2006" xmlns:aink="http://schemas.microsoft.com/office/drawing/2016/ink" xmlns:am3d="http://schemas.microsoft.com/office/drawing/2017/model3d" xmlns:m="http://schemas.openxmlformats.org/officeDocument/2006/math" xmlns:wp14="http://schemas.microsoft.com/office/word/2010/wordprocessingDrawing" xmlns:wp="http://schemas.openxmlformats.org/drawingml/2006/wordprocessingDrawing" xmlns:w14="http://schemas.microsoft.com/office/word/2010/wordml" xmlns:w15="http://schemas.microsoft.com/office/word/2012/wordml" xmlns:w16cex="http://schemas.microsoft.com/office/word/2018/wordml/cex" xmlns:w16cid="http://schemas.microsoft.com/office/word/2016/wordml/cid" xmlns:w16="http://schemas.microsoft.com/office/word/2018/wordml" xmlns:w16se="http://schemas.microsoft.com/office/word/2015/wordml/symex" xmlns:wpg="http://schemas.microsoft.com/office/word/2010/wordprocessingGroup" xmlns:wpi="http://schemas.microsoft.com/office/word/2010/wordprocessingInk" xmlns:wne="http://schemas.microsoft.com/office/word/2006/wordml" xmlns:wps="http://schemas.microsoft.com/office/word/2010/wordprocessingShape" xmlns="" xmlns:mo="http://schemas.microsoft.com/office/mac/office/2008/main" xmlns:mv="urn:schemas-microsoft-com:mac:vml" xmlns:o="urn:schemas-microsoft-com:office:office" xmlns:v="urn:schemas-microsoft-com:vml" xmlns:w10="urn:schemas-microsoft-com:office:word" xmlns:w="http://schemas.openxmlformats.org/wordprocessingml/2006/main" xmlns:a14="http://schemas.microsoft.com/office/drawing/2010/main" xmlns:lc="http://schemas.openxmlformats.org/drawingml/2006/lockedCanvas">
-                  <a:solidFill>
-                    <a:srgbClr val="FFFFFF"/>
-                  </a:solidFill>
-                </a14:hiddenFill>
-              </a:ext>
-              <a:ext uri="{91240B29-F687-4f45-9708-019B960494DF}">
-                <a14:hiddenLine xmlns:wpc="http://schemas.microsoft.com/office/word/2010/wordprocessingCanvas" xmlns:cx="http://schemas.microsoft.com/office/drawing/2014/chartex" xmlns:cx1="http://schemas.microsoft.com/office/drawing/2015/9/8/chartex" xmlns:cx2="http://schemas.microsoft.com/office/drawing/2015/10/21/chartex" xmlns:cx3="http://schemas.microsoft.com/office/drawing/2016/5/9/chartex" xmlns:cx4="http://schemas.microsoft.com/office/drawing/2016/5/10/chartex" xmlns:cx5="http://schemas.microsoft.com/office/drawing/2016/5/11/chartex" xmlns:cx6="http://schemas.microsoft.com/office/drawing/2016/5/12/chartex" xmlns:cx7="http://schemas.microsoft.com/office/drawing/2016/5/13/chartex" xmlns:cx8="http://schemas.microsoft.com/office/drawing/2016/5/14/chartex" xmlns:mc="http://schemas.openxmlformats.org/markup-compatibility/2006" xmlns:aink="http://schemas.microsoft.com/office/drawing/2016/ink" xmlns:am3d="http://schemas.microsoft.com/office/drawing/2017/model3d" xmlns:m="http://schemas.openxmlformats.org/officeDocument/2006/math" xmlns:wp14="http://schemas.microsoft.com/office/word/2010/wordprocessingDrawing" xmlns:wp="http://schemas.openxmlformats.org/drawingml/2006/wordprocessingDrawing" xmlns:w14="http://schemas.microsoft.com/office/word/2010/wordml" xmlns:w15="http://schemas.microsoft.com/office/word/2012/wordml" xmlns:w16cex="http://schemas.microsoft.com/office/word/2018/wordml/cex" xmlns:w16cid="http://schemas.microsoft.com/office/word/2016/wordml/cid" xmlns:w16="http://schemas.microsoft.com/office/word/2018/wordml" xmlns:w16se="http://schemas.microsoft.com/office/word/2015/wordml/symex" xmlns:wpg="http://schemas.microsoft.com/office/word/2010/wordprocessingGroup" xmlns:wpi="http://schemas.microsoft.com/office/word/2010/wordprocessingInk" xmlns:wne="http://schemas.microsoft.com/office/word/2006/wordml" xmlns:wps="http://schemas.microsoft.com/office/word/2010/wordprocessingShape" xmlns="" xmlns:mo="http://schemas.microsoft.com/office/mac/office/2008/main" xmlns:mv="urn:schemas-microsoft-com:mac:vml" xmlns:o="urn:schemas-microsoft-com:office:office" xmlns:v="urn:schemas-microsoft-com:vml" xmlns:w10="urn:schemas-microsoft-com:office:word" xmlns:w="http://schemas.openxmlformats.org/wordprocessingml/2006/main" xmlns:a14="http://schemas.microsoft.com/office/drawing/2010/main" xmlns:lc="http://schemas.openxmlformats.org/drawingml/2006/lockedCanvas" w="0">
-                  <a:solidFill>
-                    <a:srgbClr val="000000"/>
-                  </a:solidFill>
-                  <a:miter lim="800000"/>
-                  <a:headEnd/>
-                  <a:tailEnd/>
-                </a14:hiddenLine>
-              </a:ext>
-            </a:extLst>
-          </p:spPr>
-          <p:txBody>
-            <a:bodyPr rot="0" vert="horz" wrap="square" lIns="0" tIns="0" rIns="0" bIns="0" anchor="t" anchorCtr="0" upright="1">
-              <a:noAutofit/>
-            </a:bodyPr>
-            <a:lstStyle/>
-            <a:p>
-              <a:pPr marL="0" marR="0">
-                <a:spcBef>
-                  <a:spcPts val="600"/>
-                </a:spcBef>
-                <a:spcAft>
-                  <a:spcPts val="0"/>
-                </a:spcAft>
-              </a:pPr>
-              <a:r>
-                <a:rPr lang="en-US" sz="1000">
-                  <a:effectLst/>
-                  <a:latin typeface="Times New Roman" panose="02020603050405020304" pitchFamily="18" charset="0"/>
-                  <a:ea typeface="Times New Roman" panose="02020603050405020304" pitchFamily="18" charset="0"/>
-                </a:rPr>
-                <a:t>Record Audit Event [ITI-20] </a:t>
-              </a:r>
-              <a:r>
-                <a:rPr lang="en-US" sz="1000">
-                  <a:effectLst/>
-                  <a:latin typeface="Times New Roman" panose="02020603050405020304" pitchFamily="18" charset="0"/>
-                  <a:ea typeface="Times New Roman" panose="02020603050405020304" pitchFamily="18" charset="0"/>
-                  <a:sym typeface="Symbol" pitchFamily="2" charset="2"/>
-                </a:rPr>
-                <a:t></a:t>
-              </a:r>
-              <a:endParaRPr lang="en-US" sz="1200">
-                <a:effectLst/>
-                <a:latin typeface="Times New Roman" panose="02020603050405020304" pitchFamily="18" charset="0"/>
-                <a:ea typeface="Times New Roman" panose="02020603050405020304" pitchFamily="18" charset="0"/>
-              </a:endParaRPr>
-            </a:p>
-          </p:txBody>
-        </p:sp>
         <p:cxnSp>
           <p:nvCxnSpPr>
             <p:cNvPr id="16" name="Line 219">
@@ -4092,7 +3922,7 @@
             </a:ln>
             <a:extLst>
               <a:ext uri="{909E8E84-426E-40dd-AFC4-6F175D3DCCD1}">
-                <a14:hiddenFill xmlns:wpc="http://schemas.microsoft.com/office/word/2010/wordprocessingCanvas" xmlns:cx="http://schemas.microsoft.com/office/drawing/2014/chartex" xmlns:cx1="http://schemas.microsoft.com/office/drawing/2015/9/8/chartex" xmlns:cx2="http://schemas.microsoft.com/office/drawing/2015/10/21/chartex" xmlns:cx3="http://schemas.microsoft.com/office/drawing/2016/5/9/chartex" xmlns:cx4="http://schemas.microsoft.com/office/drawing/2016/5/10/chartex" xmlns:cx5="http://schemas.microsoft.com/office/drawing/2016/5/11/chartex" xmlns:cx6="http://schemas.microsoft.com/office/drawing/2016/5/12/chartex" xmlns:cx7="http://schemas.microsoft.com/office/drawing/2016/5/13/chartex" xmlns:cx8="http://schemas.microsoft.com/office/drawing/2016/5/14/chartex" xmlns:mc="http://schemas.openxmlformats.org/markup-compatibility/2006" xmlns:aink="http://schemas.microsoft.com/office/drawing/2016/ink" xmlns:am3d="http://schemas.microsoft.com/office/drawing/2017/model3d" xmlns:m="http://schemas.openxmlformats.org/officeDocument/2006/math" xmlns:wp14="http://schemas.microsoft.com/office/word/2010/wordprocessingDrawing" xmlns:wp="http://schemas.openxmlformats.org/drawingml/2006/wordprocessingDrawing" xmlns:w14="http://schemas.microsoft.com/office/word/2010/wordml" xmlns:w15="http://schemas.microsoft.com/office/word/2012/wordml" xmlns:w16cex="http://schemas.microsoft.com/office/word/2018/wordml/cex" xmlns:w16cid="http://schemas.microsoft.com/office/word/2016/wordml/cid" xmlns:w16="http://schemas.microsoft.com/office/word/2018/wordml" xmlns:w16se="http://schemas.microsoft.com/office/word/2015/wordml/symex" xmlns:wpg="http://schemas.microsoft.com/office/word/2010/wordprocessingGroup" xmlns:wpi="http://schemas.microsoft.com/office/word/2010/wordprocessingInk" xmlns:wne="http://schemas.microsoft.com/office/word/2006/wordml" xmlns:wps="http://schemas.microsoft.com/office/word/2010/wordprocessingShape" xmlns="" xmlns:mo="http://schemas.microsoft.com/office/mac/office/2008/main" xmlns:mv="urn:schemas-microsoft-com:mac:vml" xmlns:o="urn:schemas-microsoft-com:office:office" xmlns:v="urn:schemas-microsoft-com:vml" xmlns:w10="urn:schemas-microsoft-com:office:word" xmlns:w="http://schemas.openxmlformats.org/wordprocessingml/2006/main" xmlns:a14="http://schemas.microsoft.com/office/drawing/2010/main" xmlns:lc="http://schemas.openxmlformats.org/drawingml/2006/lockedCanvas">
+                <a14:hiddenFill xmlns:lc="http://schemas.openxmlformats.org/drawingml/2006/lockedCanvas" xmlns:a14="http://schemas.microsoft.com/office/drawing/2010/main" xmlns:w="http://schemas.openxmlformats.org/wordprocessingml/2006/main" xmlns:w10="urn:schemas-microsoft-com:office:word" xmlns:v="urn:schemas-microsoft-com:vml" xmlns:o="urn:schemas-microsoft-com:office:office" xmlns:mv="urn:schemas-microsoft-com:mac:vml" xmlns:mo="http://schemas.microsoft.com/office/mac/office/2008/main" xmlns="" xmlns:wps="http://schemas.microsoft.com/office/word/2010/wordprocessingShape" xmlns:wne="http://schemas.microsoft.com/office/word/2006/wordml" xmlns:wpi="http://schemas.microsoft.com/office/word/2010/wordprocessingInk" xmlns:wpg="http://schemas.microsoft.com/office/word/2010/wordprocessingGroup" xmlns:w16se="http://schemas.microsoft.com/office/word/2015/wordml/symex" xmlns:w16="http://schemas.microsoft.com/office/word/2018/wordml" xmlns:w16cid="http://schemas.microsoft.com/office/word/2016/wordml/cid" xmlns:w16cex="http://schemas.microsoft.com/office/word/2018/wordml/cex" xmlns:w15="http://schemas.microsoft.com/office/word/2012/wordml" xmlns:w14="http://schemas.microsoft.com/office/word/2010/wordml" xmlns:wp="http://schemas.openxmlformats.org/drawingml/2006/wordprocessingDrawing" xmlns:wp14="http://schemas.microsoft.com/office/word/2010/wordprocessingDrawing" xmlns:m="http://schemas.openxmlformats.org/officeDocument/2006/math" xmlns:am3d="http://schemas.microsoft.com/office/drawing/2017/model3d" xmlns:aink="http://schemas.microsoft.com/office/drawing/2016/ink" xmlns:mc="http://schemas.openxmlformats.org/markup-compatibility/2006" xmlns:cx8="http://schemas.microsoft.com/office/drawing/2016/5/14/chartex" xmlns:cx7="http://schemas.microsoft.com/office/drawing/2016/5/13/chartex" xmlns:cx6="http://schemas.microsoft.com/office/drawing/2016/5/12/chartex" xmlns:cx5="http://schemas.microsoft.com/office/drawing/2016/5/11/chartex" xmlns:cx4="http://schemas.microsoft.com/office/drawing/2016/5/10/chartex" xmlns:cx3="http://schemas.microsoft.com/office/drawing/2016/5/9/chartex" xmlns:cx2="http://schemas.microsoft.com/office/drawing/2015/10/21/chartex" xmlns:cx1="http://schemas.microsoft.com/office/drawing/2015/9/8/chartex" xmlns:cx="http://schemas.microsoft.com/office/drawing/2014/chartex" xmlns:wpc="http://schemas.microsoft.com/office/word/2010/wordprocessingCanvas">
                   <a:noFill/>
                 </a14:hiddenFill>
               </a:ext>
@@ -4130,7 +3960,7 @@
             </a:ln>
             <a:extLst>
               <a:ext uri="{909E8E84-426E-40dd-AFC4-6F175D3DCCD1}">
-                <a14:hiddenFill xmlns:wpc="http://schemas.microsoft.com/office/word/2010/wordprocessingCanvas" xmlns:cx="http://schemas.microsoft.com/office/drawing/2014/chartex" xmlns:cx1="http://schemas.microsoft.com/office/drawing/2015/9/8/chartex" xmlns:cx2="http://schemas.microsoft.com/office/drawing/2015/10/21/chartex" xmlns:cx3="http://schemas.microsoft.com/office/drawing/2016/5/9/chartex" xmlns:cx4="http://schemas.microsoft.com/office/drawing/2016/5/10/chartex" xmlns:cx5="http://schemas.microsoft.com/office/drawing/2016/5/11/chartex" xmlns:cx6="http://schemas.microsoft.com/office/drawing/2016/5/12/chartex" xmlns:cx7="http://schemas.microsoft.com/office/drawing/2016/5/13/chartex" xmlns:cx8="http://schemas.microsoft.com/office/drawing/2016/5/14/chartex" xmlns:mc="http://schemas.openxmlformats.org/markup-compatibility/2006" xmlns:aink="http://schemas.microsoft.com/office/drawing/2016/ink" xmlns:am3d="http://schemas.microsoft.com/office/drawing/2017/model3d" xmlns:m="http://schemas.openxmlformats.org/officeDocument/2006/math" xmlns:wp14="http://schemas.microsoft.com/office/word/2010/wordprocessingDrawing" xmlns:wp="http://schemas.openxmlformats.org/drawingml/2006/wordprocessingDrawing" xmlns:w14="http://schemas.microsoft.com/office/word/2010/wordml" xmlns:w15="http://schemas.microsoft.com/office/word/2012/wordml" xmlns:w16cex="http://schemas.microsoft.com/office/word/2018/wordml/cex" xmlns:w16cid="http://schemas.microsoft.com/office/word/2016/wordml/cid" xmlns:w16="http://schemas.microsoft.com/office/word/2018/wordml" xmlns:w16se="http://schemas.microsoft.com/office/word/2015/wordml/symex" xmlns:wpg="http://schemas.microsoft.com/office/word/2010/wordprocessingGroup" xmlns:wpi="http://schemas.microsoft.com/office/word/2010/wordprocessingInk" xmlns:wne="http://schemas.microsoft.com/office/word/2006/wordml" xmlns:wps="http://schemas.microsoft.com/office/word/2010/wordprocessingShape" xmlns="" xmlns:mo="http://schemas.microsoft.com/office/mac/office/2008/main" xmlns:mv="urn:schemas-microsoft-com:mac:vml" xmlns:o="urn:schemas-microsoft-com:office:office" xmlns:v="urn:schemas-microsoft-com:vml" xmlns:w10="urn:schemas-microsoft-com:office:word" xmlns:w="http://schemas.openxmlformats.org/wordprocessingml/2006/main" xmlns:a14="http://schemas.microsoft.com/office/drawing/2010/main" xmlns:lc="http://schemas.openxmlformats.org/drawingml/2006/lockedCanvas">
+                <a14:hiddenFill xmlns:lc="http://schemas.openxmlformats.org/drawingml/2006/lockedCanvas" xmlns:a14="http://schemas.microsoft.com/office/drawing/2010/main" xmlns:w="http://schemas.openxmlformats.org/wordprocessingml/2006/main" xmlns:w10="urn:schemas-microsoft-com:office:word" xmlns:v="urn:schemas-microsoft-com:vml" xmlns:o="urn:schemas-microsoft-com:office:office" xmlns:mv="urn:schemas-microsoft-com:mac:vml" xmlns:mo="http://schemas.microsoft.com/office/mac/office/2008/main" xmlns="" xmlns:wps="http://schemas.microsoft.com/office/word/2010/wordprocessingShape" xmlns:wne="http://schemas.microsoft.com/office/word/2006/wordml" xmlns:wpi="http://schemas.microsoft.com/office/word/2010/wordprocessingInk" xmlns:wpg="http://schemas.microsoft.com/office/word/2010/wordprocessingGroup" xmlns:w16se="http://schemas.microsoft.com/office/word/2015/wordml/symex" xmlns:w16="http://schemas.microsoft.com/office/word/2018/wordml" xmlns:w16cid="http://schemas.microsoft.com/office/word/2016/wordml/cid" xmlns:w16cex="http://schemas.microsoft.com/office/word/2018/wordml/cex" xmlns:w15="http://schemas.microsoft.com/office/word/2012/wordml" xmlns:w14="http://schemas.microsoft.com/office/word/2010/wordml" xmlns:wp="http://schemas.openxmlformats.org/drawingml/2006/wordprocessingDrawing" xmlns:wp14="http://schemas.microsoft.com/office/word/2010/wordprocessingDrawing" xmlns:m="http://schemas.openxmlformats.org/officeDocument/2006/math" xmlns:am3d="http://schemas.microsoft.com/office/drawing/2017/model3d" xmlns:aink="http://schemas.microsoft.com/office/drawing/2016/ink" xmlns:mc="http://schemas.openxmlformats.org/markup-compatibility/2006" xmlns:cx8="http://schemas.microsoft.com/office/drawing/2016/5/14/chartex" xmlns:cx7="http://schemas.microsoft.com/office/drawing/2016/5/13/chartex" xmlns:cx6="http://schemas.microsoft.com/office/drawing/2016/5/12/chartex" xmlns:cx5="http://schemas.microsoft.com/office/drawing/2016/5/11/chartex" xmlns:cx4="http://schemas.microsoft.com/office/drawing/2016/5/10/chartex" xmlns:cx3="http://schemas.microsoft.com/office/drawing/2016/5/9/chartex" xmlns:cx2="http://schemas.microsoft.com/office/drawing/2015/10/21/chartex" xmlns:cx1="http://schemas.microsoft.com/office/drawing/2015/9/8/chartex" xmlns:cx="http://schemas.microsoft.com/office/drawing/2014/chartex" xmlns:wpc="http://schemas.microsoft.com/office/word/2010/wordprocessingCanvas">
                   <a:noFill/>
                 </a14:hiddenFill>
               </a:ext>
@@ -4153,8 +3983,8 @@
           </p:nvSpPr>
           <p:spPr bwMode="auto">
             <a:xfrm>
-              <a:off x="160020" y="914400"/>
-              <a:ext cx="1747520" cy="292100"/>
+              <a:off x="-71113" y="1612583"/>
+              <a:ext cx="1067428" cy="403858"/>
             </a:xfrm>
             <a:prstGeom prst="rect">
               <a:avLst/>
@@ -4165,14 +3995,14 @@
             </a:ln>
             <a:extLst>
               <a:ext uri="{909E8E84-426E-40dd-AFC4-6F175D3DCCD1}">
-                <a14:hiddenFill xmlns:wpc="http://schemas.microsoft.com/office/word/2010/wordprocessingCanvas" xmlns:cx="http://schemas.microsoft.com/office/drawing/2014/chartex" xmlns:cx1="http://schemas.microsoft.com/office/drawing/2015/9/8/chartex" xmlns:cx2="http://schemas.microsoft.com/office/drawing/2015/10/21/chartex" xmlns:cx3="http://schemas.microsoft.com/office/drawing/2016/5/9/chartex" xmlns:cx4="http://schemas.microsoft.com/office/drawing/2016/5/10/chartex" xmlns:cx5="http://schemas.microsoft.com/office/drawing/2016/5/11/chartex" xmlns:cx6="http://schemas.microsoft.com/office/drawing/2016/5/12/chartex" xmlns:cx7="http://schemas.microsoft.com/office/drawing/2016/5/13/chartex" xmlns:cx8="http://schemas.microsoft.com/office/drawing/2016/5/14/chartex" xmlns:mc="http://schemas.openxmlformats.org/markup-compatibility/2006" xmlns:aink="http://schemas.microsoft.com/office/drawing/2016/ink" xmlns:am3d="http://schemas.microsoft.com/office/drawing/2017/model3d" xmlns:m="http://schemas.openxmlformats.org/officeDocument/2006/math" xmlns:wp14="http://schemas.microsoft.com/office/word/2010/wordprocessingDrawing" xmlns:wp="http://schemas.openxmlformats.org/drawingml/2006/wordprocessingDrawing" xmlns:w14="http://schemas.microsoft.com/office/word/2010/wordml" xmlns:w15="http://schemas.microsoft.com/office/word/2012/wordml" xmlns:w16cex="http://schemas.microsoft.com/office/word/2018/wordml/cex" xmlns:w16cid="http://schemas.microsoft.com/office/word/2016/wordml/cid" xmlns:w16="http://schemas.microsoft.com/office/word/2018/wordml" xmlns:w16se="http://schemas.microsoft.com/office/word/2015/wordml/symex" xmlns:wpg="http://schemas.microsoft.com/office/word/2010/wordprocessingGroup" xmlns:wpi="http://schemas.microsoft.com/office/word/2010/wordprocessingInk" xmlns:wne="http://schemas.microsoft.com/office/word/2006/wordml" xmlns:wps="http://schemas.microsoft.com/office/word/2010/wordprocessingShape" xmlns="" xmlns:mo="http://schemas.microsoft.com/office/mac/office/2008/main" xmlns:mv="urn:schemas-microsoft-com:mac:vml" xmlns:o="urn:schemas-microsoft-com:office:office" xmlns:v="urn:schemas-microsoft-com:vml" xmlns:w10="urn:schemas-microsoft-com:office:word" xmlns:w="http://schemas.openxmlformats.org/wordprocessingml/2006/main" xmlns:a14="http://schemas.microsoft.com/office/drawing/2010/main" xmlns:lc="http://schemas.openxmlformats.org/drawingml/2006/lockedCanvas">
+                <a14:hiddenFill xmlns:lc="http://schemas.openxmlformats.org/drawingml/2006/lockedCanvas" xmlns:a14="http://schemas.microsoft.com/office/drawing/2010/main" xmlns:w="http://schemas.openxmlformats.org/wordprocessingml/2006/main" xmlns:w10="urn:schemas-microsoft-com:office:word" xmlns:v="urn:schemas-microsoft-com:vml" xmlns:o="urn:schemas-microsoft-com:office:office" xmlns:mv="urn:schemas-microsoft-com:mac:vml" xmlns:mo="http://schemas.microsoft.com/office/mac/office/2008/main" xmlns="" xmlns:wps="http://schemas.microsoft.com/office/word/2010/wordprocessingShape" xmlns:wne="http://schemas.microsoft.com/office/word/2006/wordml" xmlns:wpi="http://schemas.microsoft.com/office/word/2010/wordprocessingInk" xmlns:wpg="http://schemas.microsoft.com/office/word/2010/wordprocessingGroup" xmlns:w16se="http://schemas.microsoft.com/office/word/2015/wordml/symex" xmlns:w16="http://schemas.microsoft.com/office/word/2018/wordml" xmlns:w16cid="http://schemas.microsoft.com/office/word/2016/wordml/cid" xmlns:w16cex="http://schemas.microsoft.com/office/word/2018/wordml/cex" xmlns:w15="http://schemas.microsoft.com/office/word/2012/wordml" xmlns:w14="http://schemas.microsoft.com/office/word/2010/wordml" xmlns:wp="http://schemas.openxmlformats.org/drawingml/2006/wordprocessingDrawing" xmlns:wp14="http://schemas.microsoft.com/office/word/2010/wordprocessingDrawing" xmlns:m="http://schemas.openxmlformats.org/officeDocument/2006/math" xmlns:am3d="http://schemas.microsoft.com/office/drawing/2017/model3d" xmlns:aink="http://schemas.microsoft.com/office/drawing/2016/ink" xmlns:mc="http://schemas.openxmlformats.org/markup-compatibility/2006" xmlns:cx8="http://schemas.microsoft.com/office/drawing/2016/5/14/chartex" xmlns:cx7="http://schemas.microsoft.com/office/drawing/2016/5/13/chartex" xmlns:cx6="http://schemas.microsoft.com/office/drawing/2016/5/12/chartex" xmlns:cx5="http://schemas.microsoft.com/office/drawing/2016/5/11/chartex" xmlns:cx4="http://schemas.microsoft.com/office/drawing/2016/5/10/chartex" xmlns:cx3="http://schemas.microsoft.com/office/drawing/2016/5/9/chartex" xmlns:cx2="http://schemas.microsoft.com/office/drawing/2015/10/21/chartex" xmlns:cx1="http://schemas.microsoft.com/office/drawing/2015/9/8/chartex" xmlns:cx="http://schemas.microsoft.com/office/drawing/2014/chartex" xmlns:wpc="http://schemas.microsoft.com/office/word/2010/wordprocessingCanvas">
                   <a:solidFill>
                     <a:srgbClr val="FFFFFF"/>
                   </a:solidFill>
                 </a14:hiddenFill>
               </a:ext>
               <a:ext uri="{91240B29-F687-4f45-9708-019B960494DF}">
-                <a14:hiddenLine xmlns:wpc="http://schemas.microsoft.com/office/word/2010/wordprocessingCanvas" xmlns:cx="http://schemas.microsoft.com/office/drawing/2014/chartex" xmlns:cx1="http://schemas.microsoft.com/office/drawing/2015/9/8/chartex" xmlns:cx2="http://schemas.microsoft.com/office/drawing/2015/10/21/chartex" xmlns:cx3="http://schemas.microsoft.com/office/drawing/2016/5/9/chartex" xmlns:cx4="http://schemas.microsoft.com/office/drawing/2016/5/10/chartex" xmlns:cx5="http://schemas.microsoft.com/office/drawing/2016/5/11/chartex" xmlns:cx6="http://schemas.microsoft.com/office/drawing/2016/5/12/chartex" xmlns:cx7="http://schemas.microsoft.com/office/drawing/2016/5/13/chartex" xmlns:cx8="http://schemas.microsoft.com/office/drawing/2016/5/14/chartex" xmlns:mc="http://schemas.openxmlformats.org/markup-compatibility/2006" xmlns:aink="http://schemas.microsoft.com/office/drawing/2016/ink" xmlns:am3d="http://schemas.microsoft.com/office/drawing/2017/model3d" xmlns:m="http://schemas.openxmlformats.org/officeDocument/2006/math" xmlns:wp14="http://schemas.microsoft.com/office/word/2010/wordprocessingDrawing" xmlns:wp="http://schemas.openxmlformats.org/drawingml/2006/wordprocessingDrawing" xmlns:w14="http://schemas.microsoft.com/office/word/2010/wordml" xmlns:w15="http://schemas.microsoft.com/office/word/2012/wordml" xmlns:w16cex="http://schemas.microsoft.com/office/word/2018/wordml/cex" xmlns:w16cid="http://schemas.microsoft.com/office/word/2016/wordml/cid" xmlns:w16="http://schemas.microsoft.com/office/word/2018/wordml" xmlns:w16se="http://schemas.microsoft.com/office/word/2015/wordml/symex" xmlns:wpg="http://schemas.microsoft.com/office/word/2010/wordprocessingGroup" xmlns:wpi="http://schemas.microsoft.com/office/word/2010/wordprocessingInk" xmlns:wne="http://schemas.microsoft.com/office/word/2006/wordml" xmlns:wps="http://schemas.microsoft.com/office/word/2010/wordprocessingShape" xmlns="" xmlns:mo="http://schemas.microsoft.com/office/mac/office/2008/main" xmlns:mv="urn:schemas-microsoft-com:mac:vml" xmlns:o="urn:schemas-microsoft-com:office:office" xmlns:v="urn:schemas-microsoft-com:vml" xmlns:w10="urn:schemas-microsoft-com:office:word" xmlns:w="http://schemas.openxmlformats.org/wordprocessingml/2006/main" xmlns:a14="http://schemas.microsoft.com/office/drawing/2010/main" xmlns:lc="http://schemas.openxmlformats.org/drawingml/2006/lockedCanvas" w="0">
+                <a14:hiddenLine xmlns:lc="http://schemas.openxmlformats.org/drawingml/2006/lockedCanvas" xmlns:a14="http://schemas.microsoft.com/office/drawing/2010/main" xmlns:w="http://schemas.openxmlformats.org/wordprocessingml/2006/main" xmlns:w10="urn:schemas-microsoft-com:office:word" xmlns:v="urn:schemas-microsoft-com:vml" xmlns:o="urn:schemas-microsoft-com:office:office" xmlns:mv="urn:schemas-microsoft-com:mac:vml" xmlns:mo="http://schemas.microsoft.com/office/mac/office/2008/main" xmlns="" xmlns:wps="http://schemas.microsoft.com/office/word/2010/wordprocessingShape" xmlns:wne="http://schemas.microsoft.com/office/word/2006/wordml" xmlns:wpi="http://schemas.microsoft.com/office/word/2010/wordprocessingInk" xmlns:wpg="http://schemas.microsoft.com/office/word/2010/wordprocessingGroup" xmlns:w16se="http://schemas.microsoft.com/office/word/2015/wordml/symex" xmlns:w16="http://schemas.microsoft.com/office/word/2018/wordml" xmlns:w16cid="http://schemas.microsoft.com/office/word/2016/wordml/cid" xmlns:w16cex="http://schemas.microsoft.com/office/word/2018/wordml/cex" xmlns:w15="http://schemas.microsoft.com/office/word/2012/wordml" xmlns:w14="http://schemas.microsoft.com/office/word/2010/wordml" xmlns:wp="http://schemas.openxmlformats.org/drawingml/2006/wordprocessingDrawing" xmlns:wp14="http://schemas.microsoft.com/office/word/2010/wordprocessingDrawing" xmlns:m="http://schemas.openxmlformats.org/officeDocument/2006/math" xmlns:am3d="http://schemas.microsoft.com/office/drawing/2017/model3d" xmlns:aink="http://schemas.microsoft.com/office/drawing/2016/ink" xmlns:mc="http://schemas.openxmlformats.org/markup-compatibility/2006" xmlns:cx8="http://schemas.microsoft.com/office/drawing/2016/5/14/chartex" xmlns:cx7="http://schemas.microsoft.com/office/drawing/2016/5/13/chartex" xmlns:cx6="http://schemas.microsoft.com/office/drawing/2016/5/12/chartex" xmlns:cx5="http://schemas.microsoft.com/office/drawing/2016/5/11/chartex" xmlns:cx4="http://schemas.microsoft.com/office/drawing/2016/5/10/chartex" xmlns:cx3="http://schemas.microsoft.com/office/drawing/2016/5/9/chartex" xmlns:cx2="http://schemas.microsoft.com/office/drawing/2015/10/21/chartex" xmlns:cx1="http://schemas.microsoft.com/office/drawing/2015/9/8/chartex" xmlns:cx="http://schemas.microsoft.com/office/drawing/2014/chartex" xmlns:wpc="http://schemas.microsoft.com/office/word/2010/wordprocessingCanvas" w="0">
                   <a:solidFill>
                     <a:srgbClr val="000000"/>
                   </a:solidFill>
@@ -4198,27 +4028,13 @@
                 </a:spcAft>
               </a:pPr>
               <a:r>
-                <a:rPr lang="en-US" sz="1000">
+                <a:rPr lang="en-US" sz="1100" dirty="0">
                   <a:effectLst/>
                   <a:latin typeface="Times New Roman" panose="02020603050405020304" pitchFamily="18" charset="0"/>
                   <a:ea typeface="Times New Roman" panose="02020603050405020304" pitchFamily="18" charset="0"/>
                 </a:rPr>
                 <a:t>Record Audit Event [ITI-20] </a:t>
               </a:r>
-              <a:r>
-                <a:rPr lang="en-US" sz="1000">
-                  <a:effectLst/>
-                  <a:latin typeface="Times New Roman" panose="02020603050405020304" pitchFamily="18" charset="0"/>
-                  <a:ea typeface="Times New Roman" panose="02020603050405020304" pitchFamily="18" charset="0"/>
-                  <a:sym typeface="Symbol" pitchFamily="2" charset="2"/>
-                </a:rPr>
-                <a:t></a:t>
-              </a:r>
-              <a:endParaRPr lang="en-US" sz="1200">
-                <a:effectLst/>
-                <a:latin typeface="Times New Roman" panose="02020603050405020304" pitchFamily="18" charset="0"/>
-                <a:ea typeface="Times New Roman" panose="02020603050405020304" pitchFamily="18" charset="0"/>
-              </a:endParaRPr>
             </a:p>
           </p:txBody>
         </p:sp>
@@ -4253,7 +4069,7 @@
             </a:ln>
             <a:extLst>
               <a:ext uri="{909E8E84-426E-40dd-AFC4-6F175D3DCCD1}">
-                <a14:hiddenFill xmlns:wpc="http://schemas.microsoft.com/office/word/2010/wordprocessingCanvas" xmlns:cx="http://schemas.microsoft.com/office/drawing/2014/chartex" xmlns:cx1="http://schemas.microsoft.com/office/drawing/2015/9/8/chartex" xmlns:cx2="http://schemas.microsoft.com/office/drawing/2015/10/21/chartex" xmlns:cx3="http://schemas.microsoft.com/office/drawing/2016/5/9/chartex" xmlns:cx4="http://schemas.microsoft.com/office/drawing/2016/5/10/chartex" xmlns:cx5="http://schemas.microsoft.com/office/drawing/2016/5/11/chartex" xmlns:cx6="http://schemas.microsoft.com/office/drawing/2016/5/12/chartex" xmlns:cx7="http://schemas.microsoft.com/office/drawing/2016/5/13/chartex" xmlns:cx8="http://schemas.microsoft.com/office/drawing/2016/5/14/chartex" xmlns:mc="http://schemas.openxmlformats.org/markup-compatibility/2006" xmlns:aink="http://schemas.microsoft.com/office/drawing/2016/ink" xmlns:am3d="http://schemas.microsoft.com/office/drawing/2017/model3d" xmlns:m="http://schemas.openxmlformats.org/officeDocument/2006/math" xmlns:wp14="http://schemas.microsoft.com/office/word/2010/wordprocessingDrawing" xmlns:wp="http://schemas.openxmlformats.org/drawingml/2006/wordprocessingDrawing" xmlns:w14="http://schemas.microsoft.com/office/word/2010/wordml" xmlns:w15="http://schemas.microsoft.com/office/word/2012/wordml" xmlns:w16cex="http://schemas.microsoft.com/office/word/2018/wordml/cex" xmlns:w16cid="http://schemas.microsoft.com/office/word/2016/wordml/cid" xmlns:w16="http://schemas.microsoft.com/office/word/2018/wordml" xmlns:w16se="http://schemas.microsoft.com/office/word/2015/wordml/symex" xmlns:wpg="http://schemas.microsoft.com/office/word/2010/wordprocessingGroup" xmlns:wpi="http://schemas.microsoft.com/office/word/2010/wordprocessingInk" xmlns:wne="http://schemas.microsoft.com/office/word/2006/wordml" xmlns:wps="http://schemas.microsoft.com/office/word/2010/wordprocessingShape" xmlns="" xmlns:mo="http://schemas.microsoft.com/office/mac/office/2008/main" xmlns:mv="urn:schemas-microsoft-com:mac:vml" xmlns:o="urn:schemas-microsoft-com:office:office" xmlns:v="urn:schemas-microsoft-com:vml" xmlns:w10="urn:schemas-microsoft-com:office:word" xmlns:w="http://schemas.openxmlformats.org/wordprocessingml/2006/main" xmlns:a14="http://schemas.microsoft.com/office/drawing/2010/main" xmlns:lc="http://schemas.openxmlformats.org/drawingml/2006/lockedCanvas">
+                <a14:hiddenFill xmlns:lc="http://schemas.openxmlformats.org/drawingml/2006/lockedCanvas" xmlns:a14="http://schemas.microsoft.com/office/drawing/2010/main" xmlns:w="http://schemas.openxmlformats.org/wordprocessingml/2006/main" xmlns:w10="urn:schemas-microsoft-com:office:word" xmlns:v="urn:schemas-microsoft-com:vml" xmlns:o="urn:schemas-microsoft-com:office:office" xmlns:mv="urn:schemas-microsoft-com:mac:vml" xmlns:mo="http://schemas.microsoft.com/office/mac/office/2008/main" xmlns="" xmlns:wps="http://schemas.microsoft.com/office/word/2010/wordprocessingShape" xmlns:wne="http://schemas.microsoft.com/office/word/2006/wordml" xmlns:wpi="http://schemas.microsoft.com/office/word/2010/wordprocessingInk" xmlns:wpg="http://schemas.microsoft.com/office/word/2010/wordprocessingGroup" xmlns:w16se="http://schemas.microsoft.com/office/word/2015/wordml/symex" xmlns:w16="http://schemas.microsoft.com/office/word/2018/wordml" xmlns:w16cid="http://schemas.microsoft.com/office/word/2016/wordml/cid" xmlns:w16cex="http://schemas.microsoft.com/office/word/2018/wordml/cex" xmlns:w15="http://schemas.microsoft.com/office/word/2012/wordml" xmlns:w14="http://schemas.microsoft.com/office/word/2010/wordml" xmlns:wp="http://schemas.openxmlformats.org/drawingml/2006/wordprocessingDrawing" xmlns:wp14="http://schemas.microsoft.com/office/word/2010/wordprocessingDrawing" xmlns:m="http://schemas.openxmlformats.org/officeDocument/2006/math" xmlns:am3d="http://schemas.microsoft.com/office/drawing/2017/model3d" xmlns:aink="http://schemas.microsoft.com/office/drawing/2016/ink" xmlns:mc="http://schemas.openxmlformats.org/markup-compatibility/2006" xmlns:cx8="http://schemas.microsoft.com/office/drawing/2016/5/14/chartex" xmlns:cx7="http://schemas.microsoft.com/office/drawing/2016/5/13/chartex" xmlns:cx6="http://schemas.microsoft.com/office/drawing/2016/5/12/chartex" xmlns:cx5="http://schemas.microsoft.com/office/drawing/2016/5/11/chartex" xmlns:cx4="http://schemas.microsoft.com/office/drawing/2016/5/10/chartex" xmlns:cx3="http://schemas.microsoft.com/office/drawing/2016/5/9/chartex" xmlns:cx2="http://schemas.microsoft.com/office/drawing/2015/10/21/chartex" xmlns:cx1="http://schemas.microsoft.com/office/drawing/2015/9/8/chartex" xmlns:cx="http://schemas.microsoft.com/office/drawing/2014/chartex" xmlns:wpc="http://schemas.microsoft.com/office/word/2010/wordprocessingCanvas">
                   <a:noFill/>
                 </a14:hiddenFill>
               </a:ext>
@@ -4291,7 +4107,7 @@
             </a:ln>
             <a:extLst>
               <a:ext uri="{909E8E84-426E-40dd-AFC4-6F175D3DCCD1}">
-                <a14:hiddenFill xmlns:wpc="http://schemas.microsoft.com/office/word/2010/wordprocessingCanvas" xmlns:cx="http://schemas.microsoft.com/office/drawing/2014/chartex" xmlns:cx1="http://schemas.microsoft.com/office/drawing/2015/9/8/chartex" xmlns:cx2="http://schemas.microsoft.com/office/drawing/2015/10/21/chartex" xmlns:cx3="http://schemas.microsoft.com/office/drawing/2016/5/9/chartex" xmlns:cx4="http://schemas.microsoft.com/office/drawing/2016/5/10/chartex" xmlns:cx5="http://schemas.microsoft.com/office/drawing/2016/5/11/chartex" xmlns:cx6="http://schemas.microsoft.com/office/drawing/2016/5/12/chartex" xmlns:cx7="http://schemas.microsoft.com/office/drawing/2016/5/13/chartex" xmlns:cx8="http://schemas.microsoft.com/office/drawing/2016/5/14/chartex" xmlns:mc="http://schemas.openxmlformats.org/markup-compatibility/2006" xmlns:aink="http://schemas.microsoft.com/office/drawing/2016/ink" xmlns:am3d="http://schemas.microsoft.com/office/drawing/2017/model3d" xmlns:m="http://schemas.openxmlformats.org/officeDocument/2006/math" xmlns:wp14="http://schemas.microsoft.com/office/word/2010/wordprocessingDrawing" xmlns:wp="http://schemas.openxmlformats.org/drawingml/2006/wordprocessingDrawing" xmlns:w14="http://schemas.microsoft.com/office/word/2010/wordml" xmlns:w15="http://schemas.microsoft.com/office/word/2012/wordml" xmlns:w16cex="http://schemas.microsoft.com/office/word/2018/wordml/cex" xmlns:w16cid="http://schemas.microsoft.com/office/word/2016/wordml/cid" xmlns:w16="http://schemas.microsoft.com/office/word/2018/wordml" xmlns:w16se="http://schemas.microsoft.com/office/word/2015/wordml/symex" xmlns:wpg="http://schemas.microsoft.com/office/word/2010/wordprocessingGroup" xmlns:wpi="http://schemas.microsoft.com/office/word/2010/wordprocessingInk" xmlns:wne="http://schemas.microsoft.com/office/word/2006/wordml" xmlns:wps="http://schemas.microsoft.com/office/word/2010/wordprocessingShape" xmlns="" xmlns:mo="http://schemas.microsoft.com/office/mac/office/2008/main" xmlns:mv="urn:schemas-microsoft-com:mac:vml" xmlns:o="urn:schemas-microsoft-com:office:office" xmlns:v="urn:schemas-microsoft-com:vml" xmlns:w10="urn:schemas-microsoft-com:office:word" xmlns:w="http://schemas.openxmlformats.org/wordprocessingml/2006/main" xmlns:a14="http://schemas.microsoft.com/office/drawing/2010/main" xmlns:lc="http://schemas.openxmlformats.org/drawingml/2006/lockedCanvas">
+                <a14:hiddenFill xmlns:lc="http://schemas.openxmlformats.org/drawingml/2006/lockedCanvas" xmlns:a14="http://schemas.microsoft.com/office/drawing/2010/main" xmlns:w="http://schemas.openxmlformats.org/wordprocessingml/2006/main" xmlns:w10="urn:schemas-microsoft-com:office:word" xmlns:v="urn:schemas-microsoft-com:vml" xmlns:o="urn:schemas-microsoft-com:office:office" xmlns:mv="urn:schemas-microsoft-com:mac:vml" xmlns:mo="http://schemas.microsoft.com/office/mac/office/2008/main" xmlns="" xmlns:wps="http://schemas.microsoft.com/office/word/2010/wordprocessingShape" xmlns:wne="http://schemas.microsoft.com/office/word/2006/wordml" xmlns:wpi="http://schemas.microsoft.com/office/word/2010/wordprocessingInk" xmlns:wpg="http://schemas.microsoft.com/office/word/2010/wordprocessingGroup" xmlns:w16se="http://schemas.microsoft.com/office/word/2015/wordml/symex" xmlns:w16="http://schemas.microsoft.com/office/word/2018/wordml" xmlns:w16cid="http://schemas.microsoft.com/office/word/2016/wordml/cid" xmlns:w16cex="http://schemas.microsoft.com/office/word/2018/wordml/cex" xmlns:w15="http://schemas.microsoft.com/office/word/2012/wordml" xmlns:w14="http://schemas.microsoft.com/office/word/2010/wordml" xmlns:wp="http://schemas.openxmlformats.org/drawingml/2006/wordprocessingDrawing" xmlns:wp14="http://schemas.microsoft.com/office/word/2010/wordprocessingDrawing" xmlns:m="http://schemas.openxmlformats.org/officeDocument/2006/math" xmlns:am3d="http://schemas.microsoft.com/office/drawing/2017/model3d" xmlns:aink="http://schemas.microsoft.com/office/drawing/2016/ink" xmlns:mc="http://schemas.openxmlformats.org/markup-compatibility/2006" xmlns:cx8="http://schemas.microsoft.com/office/drawing/2016/5/14/chartex" xmlns:cx7="http://schemas.microsoft.com/office/drawing/2016/5/13/chartex" xmlns:cx6="http://schemas.microsoft.com/office/drawing/2016/5/12/chartex" xmlns:cx5="http://schemas.microsoft.com/office/drawing/2016/5/11/chartex" xmlns:cx4="http://schemas.microsoft.com/office/drawing/2016/5/10/chartex" xmlns:cx3="http://schemas.microsoft.com/office/drawing/2016/5/9/chartex" xmlns:cx2="http://schemas.microsoft.com/office/drawing/2015/10/21/chartex" xmlns:cx1="http://schemas.microsoft.com/office/drawing/2015/9/8/chartex" xmlns:cx="http://schemas.microsoft.com/office/drawing/2014/chartex" xmlns:wpc="http://schemas.microsoft.com/office/word/2010/wordprocessingCanvas">
                   <a:noFill/>
                 </a14:hiddenFill>
               </a:ext>
@@ -4326,14 +4142,14 @@
             </a:ln>
             <a:extLst>
               <a:ext uri="{909E8E84-426E-40dd-AFC4-6F175D3DCCD1}">
-                <a14:hiddenFill xmlns:wpc="http://schemas.microsoft.com/office/word/2010/wordprocessingCanvas" xmlns:cx="http://schemas.microsoft.com/office/drawing/2014/chartex" xmlns:cx1="http://schemas.microsoft.com/office/drawing/2015/9/8/chartex" xmlns:cx2="http://schemas.microsoft.com/office/drawing/2015/10/21/chartex" xmlns:cx3="http://schemas.microsoft.com/office/drawing/2016/5/9/chartex" xmlns:cx4="http://schemas.microsoft.com/office/drawing/2016/5/10/chartex" xmlns:cx5="http://schemas.microsoft.com/office/drawing/2016/5/11/chartex" xmlns:cx6="http://schemas.microsoft.com/office/drawing/2016/5/12/chartex" xmlns:cx7="http://schemas.microsoft.com/office/drawing/2016/5/13/chartex" xmlns:cx8="http://schemas.microsoft.com/office/drawing/2016/5/14/chartex" xmlns:mc="http://schemas.openxmlformats.org/markup-compatibility/2006" xmlns:aink="http://schemas.microsoft.com/office/drawing/2016/ink" xmlns:am3d="http://schemas.microsoft.com/office/drawing/2017/model3d" xmlns:m="http://schemas.openxmlformats.org/officeDocument/2006/math" xmlns:wp14="http://schemas.microsoft.com/office/word/2010/wordprocessingDrawing" xmlns:wp="http://schemas.openxmlformats.org/drawingml/2006/wordprocessingDrawing" xmlns:w14="http://schemas.microsoft.com/office/word/2010/wordml" xmlns:w15="http://schemas.microsoft.com/office/word/2012/wordml" xmlns:w16cex="http://schemas.microsoft.com/office/word/2018/wordml/cex" xmlns:w16cid="http://schemas.microsoft.com/office/word/2016/wordml/cid" xmlns:w16="http://schemas.microsoft.com/office/word/2018/wordml" xmlns:w16se="http://schemas.microsoft.com/office/word/2015/wordml/symex" xmlns:wpg="http://schemas.microsoft.com/office/word/2010/wordprocessingGroup" xmlns:wpi="http://schemas.microsoft.com/office/word/2010/wordprocessingInk" xmlns:wne="http://schemas.microsoft.com/office/word/2006/wordml" xmlns:wps="http://schemas.microsoft.com/office/word/2010/wordprocessingShape" xmlns="" xmlns:mo="http://schemas.microsoft.com/office/mac/office/2008/main" xmlns:mv="urn:schemas-microsoft-com:mac:vml" xmlns:o="urn:schemas-microsoft-com:office:office" xmlns:v="urn:schemas-microsoft-com:vml" xmlns:w10="urn:schemas-microsoft-com:office:word" xmlns:w="http://schemas.openxmlformats.org/wordprocessingml/2006/main" xmlns:a14="http://schemas.microsoft.com/office/drawing/2010/main" xmlns:lc="http://schemas.openxmlformats.org/drawingml/2006/lockedCanvas">
+                <a14:hiddenFill xmlns:lc="http://schemas.openxmlformats.org/drawingml/2006/lockedCanvas" xmlns:a14="http://schemas.microsoft.com/office/drawing/2010/main" xmlns:w="http://schemas.openxmlformats.org/wordprocessingml/2006/main" xmlns:w10="urn:schemas-microsoft-com:office:word" xmlns:v="urn:schemas-microsoft-com:vml" xmlns:o="urn:schemas-microsoft-com:office:office" xmlns:mv="urn:schemas-microsoft-com:mac:vml" xmlns:mo="http://schemas.microsoft.com/office/mac/office/2008/main" xmlns="" xmlns:wps="http://schemas.microsoft.com/office/word/2010/wordprocessingShape" xmlns:wne="http://schemas.microsoft.com/office/word/2006/wordml" xmlns:wpi="http://schemas.microsoft.com/office/word/2010/wordprocessingInk" xmlns:wpg="http://schemas.microsoft.com/office/word/2010/wordprocessingGroup" xmlns:w16se="http://schemas.microsoft.com/office/word/2015/wordml/symex" xmlns:w16="http://schemas.microsoft.com/office/word/2018/wordml" xmlns:w16cid="http://schemas.microsoft.com/office/word/2016/wordml/cid" xmlns:w16cex="http://schemas.microsoft.com/office/word/2018/wordml/cex" xmlns:w15="http://schemas.microsoft.com/office/word/2012/wordml" xmlns:w14="http://schemas.microsoft.com/office/word/2010/wordml" xmlns:wp="http://schemas.openxmlformats.org/drawingml/2006/wordprocessingDrawing" xmlns:wp14="http://schemas.microsoft.com/office/word/2010/wordprocessingDrawing" xmlns:m="http://schemas.openxmlformats.org/officeDocument/2006/math" xmlns:am3d="http://schemas.microsoft.com/office/drawing/2017/model3d" xmlns:aink="http://schemas.microsoft.com/office/drawing/2016/ink" xmlns:mc="http://schemas.openxmlformats.org/markup-compatibility/2006" xmlns:cx8="http://schemas.microsoft.com/office/drawing/2016/5/14/chartex" xmlns:cx7="http://schemas.microsoft.com/office/drawing/2016/5/13/chartex" xmlns:cx6="http://schemas.microsoft.com/office/drawing/2016/5/12/chartex" xmlns:cx5="http://schemas.microsoft.com/office/drawing/2016/5/11/chartex" xmlns:cx4="http://schemas.microsoft.com/office/drawing/2016/5/10/chartex" xmlns:cx3="http://schemas.microsoft.com/office/drawing/2016/5/9/chartex" xmlns:cx2="http://schemas.microsoft.com/office/drawing/2015/10/21/chartex" xmlns:cx1="http://schemas.microsoft.com/office/drawing/2015/9/8/chartex" xmlns:cx="http://schemas.microsoft.com/office/drawing/2014/chartex" xmlns:wpc="http://schemas.microsoft.com/office/word/2010/wordprocessingCanvas">
                   <a:solidFill>
                     <a:srgbClr val="FFFFFF"/>
                   </a:solidFill>
                 </a14:hiddenFill>
               </a:ext>
               <a:ext uri="{91240B29-F687-4f45-9708-019B960494DF}">
-                <a14:hiddenLine xmlns:wpc="http://schemas.microsoft.com/office/word/2010/wordprocessingCanvas" xmlns:cx="http://schemas.microsoft.com/office/drawing/2014/chartex" xmlns:cx1="http://schemas.microsoft.com/office/drawing/2015/9/8/chartex" xmlns:cx2="http://schemas.microsoft.com/office/drawing/2015/10/21/chartex" xmlns:cx3="http://schemas.microsoft.com/office/drawing/2016/5/9/chartex" xmlns:cx4="http://schemas.microsoft.com/office/drawing/2016/5/10/chartex" xmlns:cx5="http://schemas.microsoft.com/office/drawing/2016/5/11/chartex" xmlns:cx6="http://schemas.microsoft.com/office/drawing/2016/5/12/chartex" xmlns:cx7="http://schemas.microsoft.com/office/drawing/2016/5/13/chartex" xmlns:cx8="http://schemas.microsoft.com/office/drawing/2016/5/14/chartex" xmlns:mc="http://schemas.openxmlformats.org/markup-compatibility/2006" xmlns:aink="http://schemas.microsoft.com/office/drawing/2016/ink" xmlns:am3d="http://schemas.microsoft.com/office/drawing/2017/model3d" xmlns:m="http://schemas.openxmlformats.org/officeDocument/2006/math" xmlns:wp14="http://schemas.microsoft.com/office/word/2010/wordprocessingDrawing" xmlns:wp="http://schemas.openxmlformats.org/drawingml/2006/wordprocessingDrawing" xmlns:w14="http://schemas.microsoft.com/office/word/2010/wordml" xmlns:w15="http://schemas.microsoft.com/office/word/2012/wordml" xmlns:w16cex="http://schemas.microsoft.com/office/word/2018/wordml/cex" xmlns:w16cid="http://schemas.microsoft.com/office/word/2016/wordml/cid" xmlns:w16="http://schemas.microsoft.com/office/word/2018/wordml" xmlns:w16se="http://schemas.microsoft.com/office/word/2015/wordml/symex" xmlns:wpg="http://schemas.microsoft.com/office/word/2010/wordprocessingGroup" xmlns:wpi="http://schemas.microsoft.com/office/word/2010/wordprocessingInk" xmlns:wne="http://schemas.microsoft.com/office/word/2006/wordml" xmlns:wps="http://schemas.microsoft.com/office/word/2010/wordprocessingShape" xmlns="" xmlns:mo="http://schemas.microsoft.com/office/mac/office/2008/main" xmlns:mv="urn:schemas-microsoft-com:mac:vml" xmlns:o="urn:schemas-microsoft-com:office:office" xmlns:v="urn:schemas-microsoft-com:vml" xmlns:w10="urn:schemas-microsoft-com:office:word" xmlns:w="http://schemas.openxmlformats.org/wordprocessingml/2006/main" xmlns:a14="http://schemas.microsoft.com/office/drawing/2010/main" xmlns:lc="http://schemas.openxmlformats.org/drawingml/2006/lockedCanvas" w="0">
+                <a14:hiddenLine xmlns:lc="http://schemas.openxmlformats.org/drawingml/2006/lockedCanvas" xmlns:a14="http://schemas.microsoft.com/office/drawing/2010/main" xmlns:w="http://schemas.openxmlformats.org/wordprocessingml/2006/main" xmlns:w10="urn:schemas-microsoft-com:office:word" xmlns:v="urn:schemas-microsoft-com:vml" xmlns:o="urn:schemas-microsoft-com:office:office" xmlns:mv="urn:schemas-microsoft-com:mac:vml" xmlns:mo="http://schemas.microsoft.com/office/mac/office/2008/main" xmlns="" xmlns:wps="http://schemas.microsoft.com/office/word/2010/wordprocessingShape" xmlns:wne="http://schemas.microsoft.com/office/word/2006/wordml" xmlns:wpi="http://schemas.microsoft.com/office/word/2010/wordprocessingInk" xmlns:wpg="http://schemas.microsoft.com/office/word/2010/wordprocessingGroup" xmlns:w16se="http://schemas.microsoft.com/office/word/2015/wordml/symex" xmlns:w16="http://schemas.microsoft.com/office/word/2018/wordml" xmlns:w16cid="http://schemas.microsoft.com/office/word/2016/wordml/cid" xmlns:w16cex="http://schemas.microsoft.com/office/word/2018/wordml/cex" xmlns:w15="http://schemas.microsoft.com/office/word/2012/wordml" xmlns:w14="http://schemas.microsoft.com/office/word/2010/wordml" xmlns:wp="http://schemas.openxmlformats.org/drawingml/2006/wordprocessingDrawing" xmlns:wp14="http://schemas.microsoft.com/office/word/2010/wordprocessingDrawing" xmlns:m="http://schemas.openxmlformats.org/officeDocument/2006/math" xmlns:am3d="http://schemas.microsoft.com/office/drawing/2017/model3d" xmlns:aink="http://schemas.microsoft.com/office/drawing/2016/ink" xmlns:mc="http://schemas.openxmlformats.org/markup-compatibility/2006" xmlns:cx8="http://schemas.microsoft.com/office/drawing/2016/5/14/chartex" xmlns:cx7="http://schemas.microsoft.com/office/drawing/2016/5/13/chartex" xmlns:cx6="http://schemas.microsoft.com/office/drawing/2016/5/12/chartex" xmlns:cx5="http://schemas.microsoft.com/office/drawing/2016/5/11/chartex" xmlns:cx4="http://schemas.microsoft.com/office/drawing/2016/5/10/chartex" xmlns:cx3="http://schemas.microsoft.com/office/drawing/2016/5/9/chartex" xmlns:cx2="http://schemas.microsoft.com/office/drawing/2015/10/21/chartex" xmlns:cx1="http://schemas.microsoft.com/office/drawing/2015/9/8/chartex" xmlns:cx="http://schemas.microsoft.com/office/drawing/2014/chartex" xmlns:wpc="http://schemas.microsoft.com/office/word/2010/wordprocessingCanvas" w="0">
                   <a:solidFill>
                     <a:srgbClr val="000000"/>
                   </a:solidFill>
@@ -4359,22 +4175,174 @@
                 </a:spcAft>
               </a:pPr>
               <a:r>
-                <a:rPr lang="en-US" sz="1000">
+                <a:rPr lang="en-US" sz="1100" dirty="0">
                   <a:effectLst/>
                   <a:latin typeface="Times New Roman" panose="02020603050405020304" pitchFamily="18" charset="0"/>
                   <a:ea typeface="Times New Roman" panose="02020603050405020304" pitchFamily="18" charset="0"/>
                 </a:rPr>
-                <a:t>Node Authentication [ITI-19]</a:t>
+                <a:t>Node Authentication </a:t>
               </a:r>
-              <a:endParaRPr lang="en-US" sz="1200">
-                <a:effectLst/>
-                <a:latin typeface="Times New Roman" panose="02020603050405020304" pitchFamily="18" charset="0"/>
-                <a:ea typeface="Times New Roman" panose="02020603050405020304" pitchFamily="18" charset="0"/>
-              </a:endParaRPr>
+              <a:br>
+                <a:rPr lang="en-US" sz="1100" dirty="0">
+                  <a:effectLst/>
+                  <a:latin typeface="Times New Roman" panose="02020603050405020304" pitchFamily="18" charset="0"/>
+                  <a:ea typeface="Times New Roman" panose="02020603050405020304" pitchFamily="18" charset="0"/>
+                </a:rPr>
+              </a:br>
+              <a:r>
+                <a:rPr lang="en-US" sz="1100" dirty="0">
+                  <a:effectLst/>
+                  <a:latin typeface="Times New Roman" panose="02020603050405020304" pitchFamily="18" charset="0"/>
+                  <a:ea typeface="Times New Roman" panose="02020603050405020304" pitchFamily="18" charset="0"/>
+                </a:rPr>
+                <a:t>[ITI-19]</a:t>
+              </a:r>
             </a:p>
           </p:txBody>
         </p:sp>
       </p:grpSp>
+      <p:sp>
+        <p:nvSpPr>
+          <p:cNvPr id="26" name="Rectangle 25">
+            <a:extLst>
+              <a:ext uri="{FF2B5EF4-FFF2-40B4-BE49-F238E27FC236}">
+                <a16:creationId xmlns:a16="http://schemas.microsoft.com/office/drawing/2014/main" id="{BA995675-DD00-3648-BD98-D442604C498D}"/>
+              </a:ext>
+            </a:extLst>
+          </p:cNvPr>
+          <p:cNvSpPr>
+            <a:spLocks noChangeArrowheads="1"/>
+          </p:cNvSpPr>
+          <p:nvPr/>
+        </p:nvSpPr>
+        <p:spPr bwMode="auto">
+          <a:xfrm>
+            <a:off x="5120644" y="4031275"/>
+            <a:ext cx="1076891" cy="418937"/>
+          </a:xfrm>
+          <a:prstGeom prst="rect">
+            <a:avLst/>
+          </a:prstGeom>
+          <a:noFill/>
+          <a:ln>
+            <a:noFill/>
+          </a:ln>
+          <a:extLst>
+            <a:ext uri="{909E8E84-426E-40dd-AFC4-6F175D3DCCD1}">
+              <a14:hiddenFill xmlns:lc="http://schemas.openxmlformats.org/drawingml/2006/lockedCanvas" xmlns:a14="http://schemas.microsoft.com/office/drawing/2010/main" xmlns:w="http://schemas.openxmlformats.org/wordprocessingml/2006/main" xmlns:w10="urn:schemas-microsoft-com:office:word" xmlns:v="urn:schemas-microsoft-com:vml" xmlns:o="urn:schemas-microsoft-com:office:office" xmlns:mv="urn:schemas-microsoft-com:mac:vml" xmlns:mo="http://schemas.microsoft.com/office/mac/office/2008/main" xmlns="" xmlns:wps="http://schemas.microsoft.com/office/word/2010/wordprocessingShape" xmlns:wne="http://schemas.microsoft.com/office/word/2006/wordml" xmlns:wpi="http://schemas.microsoft.com/office/word/2010/wordprocessingInk" xmlns:wpg="http://schemas.microsoft.com/office/word/2010/wordprocessingGroup" xmlns:w16se="http://schemas.microsoft.com/office/word/2015/wordml/symex" xmlns:w16="http://schemas.microsoft.com/office/word/2018/wordml" xmlns:w16cid="http://schemas.microsoft.com/office/word/2016/wordml/cid" xmlns:w16cex="http://schemas.microsoft.com/office/word/2018/wordml/cex" xmlns:w15="http://schemas.microsoft.com/office/word/2012/wordml" xmlns:w14="http://schemas.microsoft.com/office/word/2010/wordml" xmlns:wp="http://schemas.openxmlformats.org/drawingml/2006/wordprocessingDrawing" xmlns:wp14="http://schemas.microsoft.com/office/word/2010/wordprocessingDrawing" xmlns:m="http://schemas.openxmlformats.org/officeDocument/2006/math" xmlns:am3d="http://schemas.microsoft.com/office/drawing/2017/model3d" xmlns:aink="http://schemas.microsoft.com/office/drawing/2016/ink" xmlns:mc="http://schemas.openxmlformats.org/markup-compatibility/2006" xmlns:cx8="http://schemas.microsoft.com/office/drawing/2016/5/14/chartex" xmlns:cx7="http://schemas.microsoft.com/office/drawing/2016/5/13/chartex" xmlns:cx6="http://schemas.microsoft.com/office/drawing/2016/5/12/chartex" xmlns:cx5="http://schemas.microsoft.com/office/drawing/2016/5/11/chartex" xmlns:cx4="http://schemas.microsoft.com/office/drawing/2016/5/10/chartex" xmlns:cx3="http://schemas.microsoft.com/office/drawing/2016/5/9/chartex" xmlns:cx2="http://schemas.microsoft.com/office/drawing/2015/10/21/chartex" xmlns:cx1="http://schemas.microsoft.com/office/drawing/2015/9/8/chartex" xmlns:cx="http://schemas.microsoft.com/office/drawing/2014/chartex" xmlns:wpc="http://schemas.microsoft.com/office/word/2010/wordprocessingCanvas">
+                <a:solidFill>
+                  <a:srgbClr val="FFFFFF"/>
+                </a:solidFill>
+              </a14:hiddenFill>
+            </a:ext>
+            <a:ext uri="{91240B29-F687-4f45-9708-019B960494DF}">
+              <a14:hiddenLine xmlns:lc="http://schemas.openxmlformats.org/drawingml/2006/lockedCanvas" xmlns:a14="http://schemas.microsoft.com/office/drawing/2010/main" xmlns:w="http://schemas.openxmlformats.org/wordprocessingml/2006/main" xmlns:w10="urn:schemas-microsoft-com:office:word" xmlns:v="urn:schemas-microsoft-com:vml" xmlns:o="urn:schemas-microsoft-com:office:office" xmlns:mv="urn:schemas-microsoft-com:mac:vml" xmlns:mo="http://schemas.microsoft.com/office/mac/office/2008/main" xmlns="" xmlns:wps="http://schemas.microsoft.com/office/word/2010/wordprocessingShape" xmlns:wne="http://schemas.microsoft.com/office/word/2006/wordml" xmlns:wpi="http://schemas.microsoft.com/office/word/2010/wordprocessingInk" xmlns:wpg="http://schemas.microsoft.com/office/word/2010/wordprocessingGroup" xmlns:w16se="http://schemas.microsoft.com/office/word/2015/wordml/symex" xmlns:w16="http://schemas.microsoft.com/office/word/2018/wordml" xmlns:w16cid="http://schemas.microsoft.com/office/word/2016/wordml/cid" xmlns:w16cex="http://schemas.microsoft.com/office/word/2018/wordml/cex" xmlns:w15="http://schemas.microsoft.com/office/word/2012/wordml" xmlns:w14="http://schemas.microsoft.com/office/word/2010/wordml" xmlns:wp="http://schemas.openxmlformats.org/drawingml/2006/wordprocessingDrawing" xmlns:wp14="http://schemas.microsoft.com/office/word/2010/wordprocessingDrawing" xmlns:m="http://schemas.openxmlformats.org/officeDocument/2006/math" xmlns:am3d="http://schemas.microsoft.com/office/drawing/2017/model3d" xmlns:aink="http://schemas.microsoft.com/office/drawing/2016/ink" xmlns:mc="http://schemas.openxmlformats.org/markup-compatibility/2006" xmlns:cx8="http://schemas.microsoft.com/office/drawing/2016/5/14/chartex" xmlns:cx7="http://schemas.microsoft.com/office/drawing/2016/5/13/chartex" xmlns:cx6="http://schemas.microsoft.com/office/drawing/2016/5/12/chartex" xmlns:cx5="http://schemas.microsoft.com/office/drawing/2016/5/11/chartex" xmlns:cx4="http://schemas.microsoft.com/office/drawing/2016/5/10/chartex" xmlns:cx3="http://schemas.microsoft.com/office/drawing/2016/5/9/chartex" xmlns:cx2="http://schemas.microsoft.com/office/drawing/2015/10/21/chartex" xmlns:cx1="http://schemas.microsoft.com/office/drawing/2015/9/8/chartex" xmlns:cx="http://schemas.microsoft.com/office/drawing/2014/chartex" xmlns:wpc="http://schemas.microsoft.com/office/word/2010/wordprocessingCanvas" w="0">
+                <a:solidFill>
+                  <a:srgbClr val="000000"/>
+                </a:solidFill>
+                <a:miter lim="800000"/>
+                <a:headEnd/>
+                <a:tailEnd/>
+              </a14:hiddenLine>
+            </a:ext>
+          </a:extLst>
+        </p:spPr>
+        <p:txBody>
+          <a:bodyPr rot="0" vert="horz" wrap="square" lIns="0" tIns="0" rIns="0" bIns="0" anchor="t" anchorCtr="0" upright="1">
+            <a:noAutofit/>
+          </a:bodyPr>
+          <a:lstStyle/>
+          <a:p>
+            <a:pPr marL="0" marR="0">
+              <a:spcBef>
+                <a:spcPts val="600"/>
+              </a:spcBef>
+              <a:spcAft>
+                <a:spcPts val="0"/>
+              </a:spcAft>
+            </a:pPr>
+            <a:r>
+              <a:rPr lang="en-US" sz="1100" dirty="0">
+                <a:effectLst/>
+                <a:latin typeface="Times New Roman" panose="02020603050405020304" pitchFamily="18" charset="0"/>
+                <a:ea typeface="Times New Roman" panose="02020603050405020304" pitchFamily="18" charset="0"/>
+              </a:rPr>
+              <a:t>Record Audit Event [ITI-20] </a:t>
+            </a:r>
+          </a:p>
+        </p:txBody>
+      </p:sp>
+      <p:sp>
+        <p:nvSpPr>
+          <p:cNvPr id="27" name="Rectangle 26">
+            <a:extLst>
+              <a:ext uri="{FF2B5EF4-FFF2-40B4-BE49-F238E27FC236}">
+                <a16:creationId xmlns:a16="http://schemas.microsoft.com/office/drawing/2014/main" id="{5A814ACC-0D0F-B64D-918B-C9D00A65725D}"/>
+              </a:ext>
+            </a:extLst>
+          </p:cNvPr>
+          <p:cNvSpPr>
+            <a:spLocks noChangeArrowheads="1"/>
+          </p:cNvSpPr>
+          <p:nvPr/>
+        </p:nvSpPr>
+        <p:spPr bwMode="auto">
+          <a:xfrm>
+            <a:off x="6644601" y="4072375"/>
+            <a:ext cx="1076891" cy="418937"/>
+          </a:xfrm>
+          <a:prstGeom prst="rect">
+            <a:avLst/>
+          </a:prstGeom>
+          <a:noFill/>
+          <a:ln>
+            <a:noFill/>
+          </a:ln>
+          <a:extLst>
+            <a:ext uri="{909E8E84-426E-40dd-AFC4-6F175D3DCCD1}">
+              <a14:hiddenFill xmlns:lc="http://schemas.openxmlformats.org/drawingml/2006/lockedCanvas" xmlns:a14="http://schemas.microsoft.com/office/drawing/2010/main" xmlns:w="http://schemas.openxmlformats.org/wordprocessingml/2006/main" xmlns:w10="urn:schemas-microsoft-com:office:word" xmlns:v="urn:schemas-microsoft-com:vml" xmlns:o="urn:schemas-microsoft-com:office:office" xmlns:mv="urn:schemas-microsoft-com:mac:vml" xmlns:mo="http://schemas.microsoft.com/office/mac/office/2008/main" xmlns="" xmlns:wps="http://schemas.microsoft.com/office/word/2010/wordprocessingShape" xmlns:wne="http://schemas.microsoft.com/office/word/2006/wordml" xmlns:wpi="http://schemas.microsoft.com/office/word/2010/wordprocessingInk" xmlns:wpg="http://schemas.microsoft.com/office/word/2010/wordprocessingGroup" xmlns:w16se="http://schemas.microsoft.com/office/word/2015/wordml/symex" xmlns:w16="http://schemas.microsoft.com/office/word/2018/wordml" xmlns:w16cid="http://schemas.microsoft.com/office/word/2016/wordml/cid" xmlns:w16cex="http://schemas.microsoft.com/office/word/2018/wordml/cex" xmlns:w15="http://schemas.microsoft.com/office/word/2012/wordml" xmlns:w14="http://schemas.microsoft.com/office/word/2010/wordml" xmlns:wp="http://schemas.openxmlformats.org/drawingml/2006/wordprocessingDrawing" xmlns:wp14="http://schemas.microsoft.com/office/word/2010/wordprocessingDrawing" xmlns:m="http://schemas.openxmlformats.org/officeDocument/2006/math" xmlns:am3d="http://schemas.microsoft.com/office/drawing/2017/model3d" xmlns:aink="http://schemas.microsoft.com/office/drawing/2016/ink" xmlns:mc="http://schemas.openxmlformats.org/markup-compatibility/2006" xmlns:cx8="http://schemas.microsoft.com/office/drawing/2016/5/14/chartex" xmlns:cx7="http://schemas.microsoft.com/office/drawing/2016/5/13/chartex" xmlns:cx6="http://schemas.microsoft.com/office/drawing/2016/5/12/chartex" xmlns:cx5="http://schemas.microsoft.com/office/drawing/2016/5/11/chartex" xmlns:cx4="http://schemas.microsoft.com/office/drawing/2016/5/10/chartex" xmlns:cx3="http://schemas.microsoft.com/office/drawing/2016/5/9/chartex" xmlns:cx2="http://schemas.microsoft.com/office/drawing/2015/10/21/chartex" xmlns:cx1="http://schemas.microsoft.com/office/drawing/2015/9/8/chartex" xmlns:cx="http://schemas.microsoft.com/office/drawing/2014/chartex" xmlns:wpc="http://schemas.microsoft.com/office/word/2010/wordprocessingCanvas">
+                <a:solidFill>
+                  <a:srgbClr val="FFFFFF"/>
+                </a:solidFill>
+              </a14:hiddenFill>
+            </a:ext>
+            <a:ext uri="{91240B29-F687-4f45-9708-019B960494DF}">
+              <a14:hiddenLine xmlns:lc="http://schemas.openxmlformats.org/drawingml/2006/lockedCanvas" xmlns:a14="http://schemas.microsoft.com/office/drawing/2010/main" xmlns:w="http://schemas.openxmlformats.org/wordprocessingml/2006/main" xmlns:w10="urn:schemas-microsoft-com:office:word" xmlns:v="urn:schemas-microsoft-com:vml" xmlns:o="urn:schemas-microsoft-com:office:office" xmlns:mv="urn:schemas-microsoft-com:mac:vml" xmlns:mo="http://schemas.microsoft.com/office/mac/office/2008/main" xmlns="" xmlns:wps="http://schemas.microsoft.com/office/word/2010/wordprocessingShape" xmlns:wne="http://schemas.microsoft.com/office/word/2006/wordml" xmlns:wpi="http://schemas.microsoft.com/office/word/2010/wordprocessingInk" xmlns:wpg="http://schemas.microsoft.com/office/word/2010/wordprocessingGroup" xmlns:w16se="http://schemas.microsoft.com/office/word/2015/wordml/symex" xmlns:w16="http://schemas.microsoft.com/office/word/2018/wordml" xmlns:w16cid="http://schemas.microsoft.com/office/word/2016/wordml/cid" xmlns:w16cex="http://schemas.microsoft.com/office/word/2018/wordml/cex" xmlns:w15="http://schemas.microsoft.com/office/word/2012/wordml" xmlns:w14="http://schemas.microsoft.com/office/word/2010/wordml" xmlns:wp="http://schemas.openxmlformats.org/drawingml/2006/wordprocessingDrawing" xmlns:wp14="http://schemas.microsoft.com/office/word/2010/wordprocessingDrawing" xmlns:m="http://schemas.openxmlformats.org/officeDocument/2006/math" xmlns:am3d="http://schemas.microsoft.com/office/drawing/2017/model3d" xmlns:aink="http://schemas.microsoft.com/office/drawing/2016/ink" xmlns:mc="http://schemas.openxmlformats.org/markup-compatibility/2006" xmlns:cx8="http://schemas.microsoft.com/office/drawing/2016/5/14/chartex" xmlns:cx7="http://schemas.microsoft.com/office/drawing/2016/5/13/chartex" xmlns:cx6="http://schemas.microsoft.com/office/drawing/2016/5/12/chartex" xmlns:cx5="http://schemas.microsoft.com/office/drawing/2016/5/11/chartex" xmlns:cx4="http://schemas.microsoft.com/office/drawing/2016/5/10/chartex" xmlns:cx3="http://schemas.microsoft.com/office/drawing/2016/5/9/chartex" xmlns:cx2="http://schemas.microsoft.com/office/drawing/2015/10/21/chartex" xmlns:cx1="http://schemas.microsoft.com/office/drawing/2015/9/8/chartex" xmlns:cx="http://schemas.microsoft.com/office/drawing/2014/chartex" xmlns:wpc="http://schemas.microsoft.com/office/word/2010/wordprocessingCanvas" w="0">
+                <a:solidFill>
+                  <a:srgbClr val="000000"/>
+                </a:solidFill>
+                <a:miter lim="800000"/>
+                <a:headEnd/>
+                <a:tailEnd/>
+              </a14:hiddenLine>
+            </a:ext>
+          </a:extLst>
+        </p:spPr>
+        <p:txBody>
+          <a:bodyPr rot="0" vert="horz" wrap="square" lIns="0" tIns="0" rIns="0" bIns="0" anchor="t" anchorCtr="0" upright="1">
+            <a:noAutofit/>
+          </a:bodyPr>
+          <a:lstStyle/>
+          <a:p>
+            <a:pPr marL="0" marR="0">
+              <a:spcBef>
+                <a:spcPts val="600"/>
+              </a:spcBef>
+              <a:spcAft>
+                <a:spcPts val="0"/>
+              </a:spcAft>
+            </a:pPr>
+            <a:r>
+              <a:rPr lang="en-US" sz="1100" dirty="0">
+                <a:effectLst/>
+                <a:latin typeface="Times New Roman" panose="02020603050405020304" pitchFamily="18" charset="0"/>
+                <a:ea typeface="Times New Roman" panose="02020603050405020304" pitchFamily="18" charset="0"/>
+              </a:rPr>
+              <a:t>Record Audit Event [ITI-20] </a:t>
+            </a:r>
+          </a:p>
+        </p:txBody>
+      </p:sp>
     </p:spTree>
     <p:extLst>
       <p:ext uri="{BB962C8B-B14F-4D97-AF65-F5344CB8AC3E}">
